--- a/Presentation.pptx
+++ b/Presentation.pptx
@@ -6,9 +6,15 @@
   </p:sldMasterIdLst>
   <p:sldIdLst>
     <p:sldId id="256" r:id="rId2"/>
-    <p:sldId id="257" r:id="rId3"/>
-    <p:sldId id="258" r:id="rId4"/>
-    <p:sldId id="260" r:id="rId5"/>
+    <p:sldId id="261" r:id="rId3"/>
+    <p:sldId id="257" r:id="rId4"/>
+    <p:sldId id="258" r:id="rId5"/>
+    <p:sldId id="265" r:id="rId6"/>
+    <p:sldId id="266" r:id="rId7"/>
+    <p:sldId id="262" r:id="rId8"/>
+    <p:sldId id="263" r:id="rId9"/>
+    <p:sldId id="264" r:id="rId10"/>
+    <p:sldId id="267" r:id="rId11"/>
   </p:sldIdLst>
   <p:sldSz cx="12192000" cy="6858000"/>
   <p:notesSz cx="6858000" cy="9144000"/>
@@ -254,7 +260,7 @@
           <a:p>
             <a:fld id="{846CE7D5-CF57-46EF-B807-FDD0502418D4}" type="datetimeFigureOut">
               <a:rPr lang="en-US" smtClean="0"/>
-              <a:t>4/26/2021</a:t>
+              <a:t>5/3/2021</a:t>
             </a:fld>
             <a:endParaRPr lang="en-US"/>
           </a:p>
@@ -424,7 +430,7 @@
           <a:p>
             <a:fld id="{846CE7D5-CF57-46EF-B807-FDD0502418D4}" type="datetimeFigureOut">
               <a:rPr lang="en-US" smtClean="0"/>
-              <a:t>4/26/2021</a:t>
+              <a:t>5/3/2021</a:t>
             </a:fld>
             <a:endParaRPr lang="en-US"/>
           </a:p>
@@ -604,7 +610,7 @@
           <a:p>
             <a:fld id="{846CE7D5-CF57-46EF-B807-FDD0502418D4}" type="datetimeFigureOut">
               <a:rPr lang="en-US" smtClean="0"/>
-              <a:t>4/26/2021</a:t>
+              <a:t>5/3/2021</a:t>
             </a:fld>
             <a:endParaRPr lang="en-US"/>
           </a:p>
@@ -774,7 +780,7 @@
           <a:p>
             <a:fld id="{846CE7D5-CF57-46EF-B807-FDD0502418D4}" type="datetimeFigureOut">
               <a:rPr lang="en-US" smtClean="0"/>
-              <a:t>4/26/2021</a:t>
+              <a:t>5/3/2021</a:t>
             </a:fld>
             <a:endParaRPr lang="en-US"/>
           </a:p>
@@ -1020,7 +1026,7 @@
           <a:p>
             <a:fld id="{846CE7D5-CF57-46EF-B807-FDD0502418D4}" type="datetimeFigureOut">
               <a:rPr lang="en-US" smtClean="0"/>
-              <a:t>4/26/2021</a:t>
+              <a:t>5/3/2021</a:t>
             </a:fld>
             <a:endParaRPr lang="en-US"/>
           </a:p>
@@ -1252,7 +1258,7 @@
           <a:p>
             <a:fld id="{846CE7D5-CF57-46EF-B807-FDD0502418D4}" type="datetimeFigureOut">
               <a:rPr lang="en-US" smtClean="0"/>
-              <a:t>4/26/2021</a:t>
+              <a:t>5/3/2021</a:t>
             </a:fld>
             <a:endParaRPr lang="en-US"/>
           </a:p>
@@ -1619,7 +1625,7 @@
           <a:p>
             <a:fld id="{846CE7D5-CF57-46EF-B807-FDD0502418D4}" type="datetimeFigureOut">
               <a:rPr lang="en-US" smtClean="0"/>
-              <a:t>4/26/2021</a:t>
+              <a:t>5/3/2021</a:t>
             </a:fld>
             <a:endParaRPr lang="en-US"/>
           </a:p>
@@ -1737,7 +1743,7 @@
           <a:p>
             <a:fld id="{846CE7D5-CF57-46EF-B807-FDD0502418D4}" type="datetimeFigureOut">
               <a:rPr lang="en-US" smtClean="0"/>
-              <a:t>4/26/2021</a:t>
+              <a:t>5/3/2021</a:t>
             </a:fld>
             <a:endParaRPr lang="en-US"/>
           </a:p>
@@ -1832,7 +1838,7 @@
           <a:p>
             <a:fld id="{846CE7D5-CF57-46EF-B807-FDD0502418D4}" type="datetimeFigureOut">
               <a:rPr lang="en-US" smtClean="0"/>
-              <a:t>4/26/2021</a:t>
+              <a:t>5/3/2021</a:t>
             </a:fld>
             <a:endParaRPr lang="en-US"/>
           </a:p>
@@ -2109,7 +2115,7 @@
           <a:p>
             <a:fld id="{846CE7D5-CF57-46EF-B807-FDD0502418D4}" type="datetimeFigureOut">
               <a:rPr lang="en-US" smtClean="0"/>
-              <a:t>4/26/2021</a:t>
+              <a:t>5/3/2021</a:t>
             </a:fld>
             <a:endParaRPr lang="en-US"/>
           </a:p>
@@ -2366,7 +2372,7 @@
           <a:p>
             <a:fld id="{846CE7D5-CF57-46EF-B807-FDD0502418D4}" type="datetimeFigureOut">
               <a:rPr lang="en-US" smtClean="0"/>
-              <a:t>4/26/2021</a:t>
+              <a:t>5/3/2021</a:t>
             </a:fld>
             <a:endParaRPr lang="en-US"/>
           </a:p>
@@ -2579,7 +2585,7 @@
           <a:p>
             <a:fld id="{846CE7D5-CF57-46EF-B807-FDD0502418D4}" type="datetimeFigureOut">
               <a:rPr lang="en-US" smtClean="0"/>
-              <a:t>4/26/2021</a:t>
+              <a:t>5/3/2021</a:t>
             </a:fld>
             <a:endParaRPr lang="en-US"/>
           </a:p>
@@ -2970,6 +2976,14 @@
 <file path=ppt/slides/slide1.xml><?xml version="1.0" encoding="utf-8"?>
 <p:sld xmlns:a="http://schemas.openxmlformats.org/drawingml/2006/main" xmlns:r="http://schemas.openxmlformats.org/officeDocument/2006/relationships" xmlns:p="http://schemas.openxmlformats.org/presentationml/2006/main">
   <p:cSld>
+    <p:bg>
+      <p:bgPr>
+        <a:solidFill>
+          <a:schemeClr val="bg1"/>
+        </a:solidFill>
+        <a:effectLst/>
+      </p:bgPr>
+    </p:bg>
     <p:spTree>
       <p:nvGrpSpPr>
         <p:cNvPr id="1" name=""/>
@@ -2984,6 +2998,180 @@
           <a:chExt cx="0" cy="0"/>
         </a:xfrm>
       </p:grpSpPr>
+      <p:sp useBgFill="1">
+        <p:nvSpPr>
+          <p:cNvPr id="24" name="Rectangle 15">
+            <a:extLst>
+              <a:ext uri="{FF2B5EF4-FFF2-40B4-BE49-F238E27FC236}">
+                <a16:creationId xmlns:a16="http://schemas.microsoft.com/office/drawing/2014/main" id="{5A59F003-E00A-43F9-91DC-CC54E3B87466}"/>
+              </a:ext>
+              <a:ext uri="{C183D7F6-B498-43B3-948B-1728B52AA6E4}">
+                <adec:decorative xmlns:adec="http://schemas.microsoft.com/office/drawing/2017/decorative" val="1"/>
+              </a:ext>
+            </a:extLst>
+          </p:cNvPr>
+          <p:cNvSpPr>
+            <a:spLocks noGrp="1" noRot="1" noChangeAspect="1" noMove="1" noResize="1" noEditPoints="1" noAdjustHandles="1" noChangeArrowheads="1" noChangeShapeType="1" noTextEdit="1"/>
+          </p:cNvSpPr>
+          <p:nvPr>
+            <p:extLst>
+              <p:ext uri="{386F3935-93C4-4BCD-93E2-E3B085C9AB24}">
+                <p16:designElem xmlns:p16="http://schemas.microsoft.com/office/powerpoint/2015/main" val="1"/>
+              </p:ext>
+            </p:extLst>
+          </p:nvPr>
+        </p:nvSpPr>
+        <p:spPr>
+          <a:xfrm>
+            <a:off x="0" y="0"/>
+            <a:ext cx="12192000" cy="6858000"/>
+          </a:xfrm>
+          <a:prstGeom prst="rect">
+            <a:avLst/>
+          </a:prstGeom>
+          <a:ln>
+            <a:noFill/>
+          </a:ln>
+        </p:spPr>
+        <p:style>
+          <a:lnRef idx="2">
+            <a:schemeClr val="accent1">
+              <a:shade val="50000"/>
+            </a:schemeClr>
+          </a:lnRef>
+          <a:fillRef idx="1">
+            <a:schemeClr val="accent1"/>
+          </a:fillRef>
+          <a:effectRef idx="0">
+            <a:schemeClr val="accent1"/>
+          </a:effectRef>
+          <a:fontRef idx="minor">
+            <a:schemeClr val="lt1"/>
+          </a:fontRef>
+        </p:style>
+        <p:txBody>
+          <a:bodyPr rtlCol="0" anchor="ctr"/>
+          <a:lstStyle/>
+          <a:p>
+            <a:pPr algn="ctr"/>
+            <a:endParaRPr lang="en-US"/>
+          </a:p>
+        </p:txBody>
+      </p:sp>
+      <p:pic>
+        <p:nvPicPr>
+          <p:cNvPr id="5" name="Picture 4" descr="Bee on yellow flowers">
+            <a:extLst>
+              <a:ext uri="{FF2B5EF4-FFF2-40B4-BE49-F238E27FC236}">
+                <a16:creationId xmlns:a16="http://schemas.microsoft.com/office/drawing/2014/main" id="{0B1EA7E5-721D-4C80-8A77-9A80D319A9C6}"/>
+              </a:ext>
+            </a:extLst>
+          </p:cNvPr>
+          <p:cNvPicPr>
+            <a:picLocks noChangeAspect="1"/>
+          </p:cNvPicPr>
+          <p:nvPr/>
+        </p:nvPicPr>
+        <p:blipFill rotWithShape="1">
+          <a:blip r:embed="rId2"/>
+          <a:srcRect l="9091" t="21533" b="1858"/>
+          <a:stretch/>
+        </p:blipFill>
+        <p:spPr>
+          <a:xfrm>
+            <a:off x="20" y="10"/>
+            <a:ext cx="12191981" cy="6857990"/>
+          </a:xfrm>
+          <a:prstGeom prst="rect">
+            <a:avLst/>
+          </a:prstGeom>
+        </p:spPr>
+      </p:pic>
+      <p:sp>
+        <p:nvSpPr>
+          <p:cNvPr id="25" name="Rectangle 17">
+            <a:extLst>
+              <a:ext uri="{FF2B5EF4-FFF2-40B4-BE49-F238E27FC236}">
+                <a16:creationId xmlns:a16="http://schemas.microsoft.com/office/drawing/2014/main" id="{D74A4382-E3AD-430A-9A1F-DFA3E0E77A7D}"/>
+              </a:ext>
+              <a:ext uri="{C183D7F6-B498-43B3-948B-1728B52AA6E4}">
+                <adec:decorative xmlns:adec="http://schemas.microsoft.com/office/drawing/2017/decorative" val="1"/>
+              </a:ext>
+            </a:extLst>
+          </p:cNvPr>
+          <p:cNvSpPr>
+            <a:spLocks noGrp="1" noRot="1" noChangeAspect="1" noMove="1" noResize="1" noEditPoints="1" noAdjustHandles="1" noChangeArrowheads="1" noChangeShapeType="1" noTextEdit="1"/>
+          </p:cNvSpPr>
+          <p:nvPr>
+            <p:extLst>
+              <p:ext uri="{386F3935-93C4-4BCD-93E2-E3B085C9AB24}">
+                <p16:designElem xmlns:p16="http://schemas.microsoft.com/office/powerpoint/2015/main" val="1"/>
+              </p:ext>
+            </p:extLst>
+          </p:nvPr>
+        </p:nvSpPr>
+        <p:spPr>
+          <a:xfrm rot="16200000">
+            <a:off x="3799868" y="-1534136"/>
+            <a:ext cx="4592270" cy="12192001"/>
+          </a:xfrm>
+          <a:prstGeom prst="rect">
+            <a:avLst/>
+          </a:prstGeom>
+          <a:gradFill>
+            <a:gsLst>
+              <a:gs pos="35000">
+                <a:schemeClr val="bg1">
+                  <a:alpha val="46000"/>
+                </a:schemeClr>
+              </a:gs>
+              <a:gs pos="21000">
+                <a:schemeClr val="bg1">
+                  <a:alpha val="30000"/>
+                </a:schemeClr>
+              </a:gs>
+              <a:gs pos="0">
+                <a:schemeClr val="bg1">
+                  <a:alpha val="0"/>
+                </a:schemeClr>
+              </a:gs>
+              <a:gs pos="100000">
+                <a:schemeClr val="bg1">
+                  <a:alpha val="90000"/>
+                </a:schemeClr>
+              </a:gs>
+            </a:gsLst>
+            <a:lin ang="10800000" scaled="0"/>
+          </a:gradFill>
+          <a:ln>
+            <a:noFill/>
+          </a:ln>
+        </p:spPr>
+        <p:style>
+          <a:lnRef idx="2">
+            <a:schemeClr val="accent1">
+              <a:shade val="50000"/>
+            </a:schemeClr>
+          </a:lnRef>
+          <a:fillRef idx="1">
+            <a:schemeClr val="accent1"/>
+          </a:fillRef>
+          <a:effectRef idx="0">
+            <a:schemeClr val="accent1"/>
+          </a:effectRef>
+          <a:fontRef idx="minor">
+            <a:schemeClr val="lt1"/>
+          </a:fontRef>
+        </p:style>
+        <p:txBody>
+          <a:bodyPr rtlCol="0" anchor="ctr"/>
+          <a:lstStyle/>
+          <a:p>
+            <a:pPr algn="ctr"/>
+            <a:endParaRPr lang="en-US" dirty="0"/>
+          </a:p>
+        </p:txBody>
+      </p:sp>
       <p:sp>
         <p:nvSpPr>
           <p:cNvPr id="2" name="Title 1"/>
@@ -2994,18 +3182,91 @@
             <p:ph type="ctrTitle"/>
           </p:nvPr>
         </p:nvSpPr>
-        <p:spPr/>
-        <p:txBody>
-          <a:bodyPr/>
-          <a:lstStyle/>
-          <a:p>
-            <a:r>
-              <a:rPr lang="en-US" dirty="0">
+        <p:spPr>
+          <a:xfrm>
+            <a:off x="404553" y="3091928"/>
+            <a:ext cx="9078562" cy="2387600"/>
+          </a:xfrm>
+        </p:spPr>
+        <p:txBody>
+          <a:bodyPr>
+            <a:normAutofit/>
+          </a:bodyPr>
+          <a:lstStyle/>
+          <a:p>
+            <a:pPr algn="l"/>
+            <a:r>
+              <a:rPr lang="en-US" sz="6600">
                 <a:cs typeface="Calibri Light"/>
               </a:rPr>
               <a:t>Loss of Bee Colonies</a:t>
             </a:r>
-            <a:endParaRPr lang="en-US" dirty="0"/>
+            <a:endParaRPr lang="en-US" sz="6600"/>
+          </a:p>
+        </p:txBody>
+      </p:sp>
+      <p:sp>
+        <p:nvSpPr>
+          <p:cNvPr id="26" name="Rectangle: Rounded Corners 19">
+            <a:extLst>
+              <a:ext uri="{FF2B5EF4-FFF2-40B4-BE49-F238E27FC236}">
+                <a16:creationId xmlns:a16="http://schemas.microsoft.com/office/drawing/2014/main" id="{79F40191-0F44-4FD1-82CC-ACB507C14BE6}"/>
+              </a:ext>
+              <a:ext uri="{C183D7F6-B498-43B3-948B-1728B52AA6E4}">
+                <adec:decorative xmlns:adec="http://schemas.microsoft.com/office/drawing/2017/decorative" val="1"/>
+              </a:ext>
+            </a:extLst>
+          </p:cNvPr>
+          <p:cNvSpPr>
+            <a:spLocks noGrp="1" noRot="1" noChangeAspect="1" noMove="1" noResize="1" noEditPoints="1" noAdjustHandles="1" noChangeArrowheads="1" noChangeShapeType="1" noTextEdit="1"/>
+          </p:cNvSpPr>
+          <p:nvPr>
+            <p:extLst>
+              <p:ext uri="{386F3935-93C4-4BCD-93E2-E3B085C9AB24}">
+                <p16:designElem xmlns:p16="http://schemas.microsoft.com/office/powerpoint/2015/main" val="1"/>
+              </p:ext>
+            </p:extLst>
+          </p:nvPr>
+        </p:nvSpPr>
+        <p:spPr>
+          <a:xfrm>
+            <a:off x="0" y="5575039"/>
+            <a:ext cx="9785897" cy="685800"/>
+          </a:xfrm>
+          <a:prstGeom prst="roundRect">
+            <a:avLst>
+              <a:gd name="adj" fmla="val 0"/>
+            </a:avLst>
+          </a:prstGeom>
+          <a:solidFill>
+            <a:schemeClr val="accent2"/>
+          </a:solidFill>
+          <a:ln>
+            <a:noFill/>
+          </a:ln>
+        </p:spPr>
+        <p:style>
+          <a:lnRef idx="2">
+            <a:schemeClr val="accent1">
+              <a:shade val="50000"/>
+            </a:schemeClr>
+          </a:lnRef>
+          <a:fillRef idx="1">
+            <a:schemeClr val="accent1"/>
+          </a:fillRef>
+          <a:effectRef idx="0">
+            <a:schemeClr val="accent1"/>
+          </a:effectRef>
+          <a:fontRef idx="minor">
+            <a:schemeClr val="lt1"/>
+          </a:fontRef>
+        </p:style>
+        <p:txBody>
+          <a:bodyPr rtlCol="0" anchor="ctr"/>
+          <a:lstStyle/>
+          <a:p>
+            <a:pPr algn="ctr"/>
+            <a:endParaRPr lang="en-US"/>
           </a:p>
         </p:txBody>
       </p:sp>
@@ -3019,20 +3280,26 @@
             <p:ph type="subTitle" idx="1"/>
           </p:nvPr>
         </p:nvSpPr>
-        <p:spPr/>
-        <p:txBody>
-          <a:bodyPr vert="horz" lIns="91440" tIns="45720" rIns="91440" bIns="45720" rtlCol="0" anchor="b">
+        <p:spPr>
+          <a:xfrm>
+            <a:off x="404553" y="5624945"/>
+            <a:ext cx="9078562" cy="592975"/>
+          </a:xfrm>
+        </p:spPr>
+        <p:txBody>
+          <a:bodyPr vert="horz" lIns="91440" tIns="45720" rIns="91440" bIns="45720" rtlCol="0" anchor="ctr">
             <a:normAutofit/>
           </a:bodyPr>
           <a:lstStyle/>
           <a:p>
-            <a:r>
-              <a:rPr lang="en-US" dirty="0">
+            <a:pPr algn="l"/>
+            <a:r>
+              <a:rPr lang="en-US">
                 <a:cs typeface="Calibri"/>
               </a:rPr>
               <a:t>By Mounika Ganta and Celia Watson</a:t>
             </a:r>
-            <a:endParaRPr lang="en-US" dirty="0"/>
+            <a:endParaRPr lang="en-US"/>
           </a:p>
         </p:txBody>
       </p:sp>
@@ -3040,6 +3307,405 @@
     <p:extLst>
       <p:ext uri="{BB962C8B-B14F-4D97-AF65-F5344CB8AC3E}">
         <p14:creationId xmlns:p14="http://schemas.microsoft.com/office/powerpoint/2010/main" val="109857222"/>
+      </p:ext>
+    </p:extLst>
+  </p:cSld>
+  <p:clrMapOvr>
+    <a:overrideClrMapping bg1="dk1" tx1="lt1" bg2="dk2" tx2="lt2" accent1="accent1" accent2="accent2" accent3="accent3" accent4="accent4" accent5="accent5" accent6="accent6" hlink="hlink" folHlink="folHlink"/>
+  </p:clrMapOvr>
+  <p:timing>
+    <p:tnLst>
+      <p:par>
+        <p:cTn id="1" dur="indefinite" restart="never" nodeType="tmRoot">
+          <p:childTnLst>
+            <p:seq concurrent="1" nextAc="seek">
+              <p:cTn id="2" dur="indefinite" nodeType="mainSeq">
+                <p:childTnLst>
+                  <p:par>
+                    <p:cTn id="3" fill="hold">
+                      <p:stCondLst>
+                        <p:cond delay="indefinite"/>
+                        <p:cond evt="onBegin" delay="0">
+                          <p:tn val="2"/>
+                        </p:cond>
+                      </p:stCondLst>
+                      <p:childTnLst>
+                        <p:par>
+                          <p:cTn id="4" fill="hold">
+                            <p:stCondLst>
+                              <p:cond delay="0"/>
+                            </p:stCondLst>
+                            <p:childTnLst>
+                              <p:par>
+                                <p:cTn id="5" presetID="10" presetClass="entr" presetSubtype="0" fill="hold" grpId="0" nodeType="withEffect">
+                                  <p:stCondLst>
+                                    <p:cond delay="2000"/>
+                                  </p:stCondLst>
+                                  <p:iterate type="lt">
+                                    <p:tmPct val="10000"/>
+                                  </p:iterate>
+                                  <p:childTnLst>
+                                    <p:set>
+                                      <p:cBhvr>
+                                        <p:cTn id="6" dur="1" fill="hold">
+                                          <p:stCondLst>
+                                            <p:cond delay="0"/>
+                                          </p:stCondLst>
+                                        </p:cTn>
+                                        <p:tgtEl>
+                                          <p:spTgt spid="3">
+                                            <p:txEl>
+                                              <p:pRg st="0" end="0"/>
+                                            </p:txEl>
+                                          </p:spTgt>
+                                        </p:tgtEl>
+                                        <p:attrNameLst>
+                                          <p:attrName>style.visibility</p:attrName>
+                                        </p:attrNameLst>
+                                      </p:cBhvr>
+                                      <p:to>
+                                        <p:strVal val="visible"/>
+                                      </p:to>
+                                    </p:set>
+                                    <p:animEffect transition="in" filter="fade">
+                                      <p:cBhvr>
+                                        <p:cTn id="7" dur="400"/>
+                                        <p:tgtEl>
+                                          <p:spTgt spid="3">
+                                            <p:txEl>
+                                              <p:pRg st="0" end="0"/>
+                                            </p:txEl>
+                                          </p:spTgt>
+                                        </p:tgtEl>
+                                      </p:cBhvr>
+                                    </p:animEffect>
+                                  </p:childTnLst>
+                                </p:cTn>
+                              </p:par>
+                              <p:par>
+                                <p:cTn id="8" presetID="10" presetClass="entr" presetSubtype="0" fill="hold" grpId="0" nodeType="withEffect">
+                                  <p:stCondLst>
+                                    <p:cond delay="1000"/>
+                                  </p:stCondLst>
+                                  <p:iterate type="lt">
+                                    <p:tmPct val="10000"/>
+                                  </p:iterate>
+                                  <p:childTnLst>
+                                    <p:set>
+                                      <p:cBhvr>
+                                        <p:cTn id="9" dur="1" fill="hold">
+                                          <p:stCondLst>
+                                            <p:cond delay="0"/>
+                                          </p:stCondLst>
+                                        </p:cTn>
+                                        <p:tgtEl>
+                                          <p:spTgt spid="2"/>
+                                        </p:tgtEl>
+                                        <p:attrNameLst>
+                                          <p:attrName>style.visibility</p:attrName>
+                                        </p:attrNameLst>
+                                      </p:cBhvr>
+                                      <p:to>
+                                        <p:strVal val="visible"/>
+                                      </p:to>
+                                    </p:set>
+                                    <p:animEffect transition="in" filter="fade">
+                                      <p:cBhvr>
+                                        <p:cTn id="10" dur="400"/>
+                                        <p:tgtEl>
+                                          <p:spTgt spid="2"/>
+                                        </p:tgtEl>
+                                      </p:cBhvr>
+                                    </p:animEffect>
+                                  </p:childTnLst>
+                                </p:cTn>
+                              </p:par>
+                              <p:par>
+                                <p:cTn id="11" presetID="10" presetClass="entr" presetSubtype="0" fill="hold" nodeType="withEffect">
+                                  <p:stCondLst>
+                                    <p:cond delay="0"/>
+                                  </p:stCondLst>
+                                  <p:iterate>
+                                    <p:tmPct val="10000"/>
+                                  </p:iterate>
+                                  <p:childTnLst>
+                                    <p:set>
+                                      <p:cBhvr>
+                                        <p:cTn id="12" dur="1" fill="hold">
+                                          <p:stCondLst>
+                                            <p:cond delay="0"/>
+                                          </p:stCondLst>
+                                        </p:cTn>
+                                        <p:tgtEl>
+                                          <p:spTgt spid="5"/>
+                                        </p:tgtEl>
+                                        <p:attrNameLst>
+                                          <p:attrName>style.visibility</p:attrName>
+                                        </p:attrNameLst>
+                                      </p:cBhvr>
+                                      <p:to>
+                                        <p:strVal val="visible"/>
+                                      </p:to>
+                                    </p:set>
+                                    <p:animEffect transition="in" filter="fade">
+                                      <p:cBhvr>
+                                        <p:cTn id="13" dur="700"/>
+                                        <p:tgtEl>
+                                          <p:spTgt spid="5"/>
+                                        </p:tgtEl>
+                                      </p:cBhvr>
+                                    </p:animEffect>
+                                  </p:childTnLst>
+                                </p:cTn>
+                              </p:par>
+                            </p:childTnLst>
+                          </p:cTn>
+                        </p:par>
+                      </p:childTnLst>
+                    </p:cTn>
+                  </p:par>
+                </p:childTnLst>
+              </p:cTn>
+              <p:prevCondLst>
+                <p:cond evt="onPrev" delay="0">
+                  <p:tgtEl>
+                    <p:sldTgt/>
+                  </p:tgtEl>
+                </p:cond>
+              </p:prevCondLst>
+              <p:nextCondLst>
+                <p:cond evt="onNext" delay="0">
+                  <p:tgtEl>
+                    <p:sldTgt/>
+                  </p:tgtEl>
+                </p:cond>
+              </p:nextCondLst>
+            </p:seq>
+          </p:childTnLst>
+        </p:cTn>
+      </p:par>
+    </p:tnLst>
+    <p:bldLst>
+      <p:bldP spid="2" grpId="0"/>
+      <p:bldP spid="3" grpId="0" build="p"/>
+    </p:bldLst>
+  </p:timing>
+</p:sld>
+</file>
+
+<file path=ppt/slides/slide10.xml><?xml version="1.0" encoding="utf-8"?>
+<p:sld xmlns:a="http://schemas.openxmlformats.org/drawingml/2006/main" xmlns:r="http://schemas.openxmlformats.org/officeDocument/2006/relationships" xmlns:p="http://schemas.openxmlformats.org/presentationml/2006/main">
+  <p:cSld>
+    <p:bg>
+      <p:bgPr>
+        <a:solidFill>
+          <a:schemeClr val="bg1"/>
+        </a:solidFill>
+        <a:effectLst/>
+      </p:bgPr>
+    </p:bg>
+    <p:spTree>
+      <p:nvGrpSpPr>
+        <p:cNvPr id="1" name=""/>
+        <p:cNvGrpSpPr/>
+        <p:nvPr/>
+      </p:nvGrpSpPr>
+      <p:grpSpPr>
+        <a:xfrm>
+          <a:off x="0" y="0"/>
+          <a:ext cx="0" cy="0"/>
+          <a:chOff x="0" y="0"/>
+          <a:chExt cx="0" cy="0"/>
+        </a:xfrm>
+      </p:grpSpPr>
+      <p:sp>
+        <p:nvSpPr>
+          <p:cNvPr id="2" name="Title 1">
+            <a:extLst>
+              <a:ext uri="{FF2B5EF4-FFF2-40B4-BE49-F238E27FC236}">
+                <a16:creationId xmlns:a16="http://schemas.microsoft.com/office/drawing/2014/main" id="{F847F920-B8DA-4453-AFE7-E87C7FF42C71}"/>
+              </a:ext>
+            </a:extLst>
+          </p:cNvPr>
+          <p:cNvSpPr>
+            <a:spLocks noGrp="1"/>
+          </p:cNvSpPr>
+          <p:nvPr>
+            <p:ph type="title"/>
+          </p:nvPr>
+        </p:nvSpPr>
+        <p:spPr>
+          <a:xfrm>
+            <a:off x="4965430" y="629268"/>
+            <a:ext cx="6586491" cy="1286160"/>
+          </a:xfrm>
+        </p:spPr>
+        <p:txBody>
+          <a:bodyPr anchor="b">
+            <a:normAutofit/>
+          </a:bodyPr>
+          <a:lstStyle/>
+          <a:p>
+            <a:r>
+              <a:rPr lang="en-US" dirty="0"/>
+              <a:t>Conclusion</a:t>
+            </a:r>
+            <a:endParaRPr lang="en-US"/>
+          </a:p>
+        </p:txBody>
+      </p:sp>
+      <p:sp>
+        <p:nvSpPr>
+          <p:cNvPr id="3" name="Content Placeholder 2">
+            <a:extLst>
+              <a:ext uri="{FF2B5EF4-FFF2-40B4-BE49-F238E27FC236}">
+                <a16:creationId xmlns:a16="http://schemas.microsoft.com/office/drawing/2014/main" id="{FE19EE70-6DCA-4D2A-841A-5FA371A115B6}"/>
+              </a:ext>
+            </a:extLst>
+          </p:cNvPr>
+          <p:cNvSpPr>
+            <a:spLocks noGrp="1"/>
+          </p:cNvSpPr>
+          <p:nvPr>
+            <p:ph idx="1"/>
+          </p:nvPr>
+        </p:nvSpPr>
+        <p:spPr>
+          <a:xfrm>
+            <a:off x="4965431" y="2438400"/>
+            <a:ext cx="6586489" cy="3785419"/>
+          </a:xfrm>
+        </p:spPr>
+        <p:txBody>
+          <a:bodyPr>
+            <a:normAutofit/>
+          </a:bodyPr>
+          <a:lstStyle/>
+          <a:p>
+            <a:pPr lvl="0"/>
+            <a:r>
+              <a:rPr lang="en-US" sz="1700" dirty="0"/>
+              <a:t>Based on our findings with the histogram graph the percentages of colonies affected by pesticides are higher than those lost by colony collapse disorder.</a:t>
+            </a:r>
+          </a:p>
+          <a:p>
+            <a:pPr lvl="0"/>
+            <a:r>
+              <a:rPr lang="en-US" sz="1700" dirty="0"/>
+              <a:t>There appear to be many factors that contribute to the loss of colonies to collapse, including pesticides, parasites, varroa mites, disease etc.  The worst problem facing bee colonies presently is varroa mites.</a:t>
+            </a:r>
+          </a:p>
+          <a:p>
+            <a:pPr lvl="0"/>
+            <a:r>
+              <a:rPr lang="en-US" sz="1700" dirty="0"/>
+              <a:t>Regional and climate related conditions likely affect the types of problems faced by bees.  Due to the varied nature of climates and regions in the US, this may be an area for further exploration.</a:t>
+            </a:r>
+          </a:p>
+          <a:p>
+            <a:pPr lvl="0"/>
+            <a:r>
+              <a:rPr lang="en-US" sz="1700" dirty="0"/>
+              <a:t>Due to the high degree of dependence of the world’s food sources on the health of honey bees, it is extremely important for people around the world to collaborate to find the best ways to meet these challenges.</a:t>
+            </a:r>
+          </a:p>
+          <a:p>
+            <a:endParaRPr lang="en-US" sz="1700" dirty="0"/>
+          </a:p>
+        </p:txBody>
+      </p:sp>
+      <p:pic>
+        <p:nvPicPr>
+          <p:cNvPr id="4" name="Picture 3" descr="A bee pollinating on a yellow flower">
+            <a:extLst>
+              <a:ext uri="{FF2B5EF4-FFF2-40B4-BE49-F238E27FC236}">
+                <a16:creationId xmlns:a16="http://schemas.microsoft.com/office/drawing/2014/main" id="{6F33322D-5617-46AE-8486-940C4B06FF59}"/>
+              </a:ext>
+            </a:extLst>
+          </p:cNvPr>
+          <p:cNvPicPr>
+            <a:picLocks noChangeAspect="1"/>
+          </p:cNvPicPr>
+          <p:nvPr/>
+        </p:nvPicPr>
+        <p:blipFill rotWithShape="1">
+          <a:blip r:embed="rId2" cstate="print">
+            <a:extLst>
+              <a:ext uri="{28A0092B-C50C-407E-A947-70E740481C1C}">
+                <a14:useLocalDpi xmlns:a14="http://schemas.microsoft.com/office/drawing/2010/main" val="0"/>
+              </a:ext>
+            </a:extLst>
+          </a:blip>
+          <a:srcRect l="49887" r="5840" b="2"/>
+          <a:stretch/>
+        </p:blipFill>
+        <p:spPr>
+          <a:xfrm>
+            <a:off x="20" y="10"/>
+            <a:ext cx="4635571" cy="6857990"/>
+          </a:xfrm>
+          <a:prstGeom prst="rect">
+            <a:avLst/>
+          </a:prstGeom>
+          <a:effectLst/>
+        </p:spPr>
+      </p:pic>
+      <p:cxnSp>
+        <p:nvCxnSpPr>
+          <p:cNvPr id="14" name="Straight Connector 13">
+            <a:extLst>
+              <a:ext uri="{FF2B5EF4-FFF2-40B4-BE49-F238E27FC236}">
+                <a16:creationId xmlns:a16="http://schemas.microsoft.com/office/drawing/2014/main" id="{A7F400EE-A8A5-48AF-B4D6-291B52C6F0B0}"/>
+              </a:ext>
+              <a:ext uri="{C183D7F6-B498-43B3-948B-1728B52AA6E4}">
+                <adec:decorative xmlns:adec="http://schemas.microsoft.com/office/drawing/2017/decorative" val="1"/>
+              </a:ext>
+            </a:extLst>
+          </p:cNvPr>
+          <p:cNvCxnSpPr>
+            <a:cxnSpLocks noGrp="1" noRot="1" noChangeAspect="1" noMove="1" noResize="1" noEditPoints="1" noAdjustHandles="1" noChangeArrowheads="1" noChangeShapeType="1"/>
+          </p:cNvCxnSpPr>
+          <p:nvPr>
+            <p:extLst>
+              <p:ext uri="{386F3935-93C4-4BCD-93E2-E3B085C9AB24}">
+                <p16:designElem xmlns:p16="http://schemas.microsoft.com/office/powerpoint/2015/main" val="1"/>
+              </p:ext>
+            </p:extLst>
+          </p:nvPr>
+        </p:nvCxnSpPr>
+        <p:spPr>
+          <a:xfrm>
+            <a:off x="5080934" y="2115117"/>
+            <a:ext cx="6309360" cy="0"/>
+          </a:xfrm>
+          <a:prstGeom prst="line">
+            <a:avLst/>
+          </a:prstGeom>
+          <a:ln w="19050">
+            <a:solidFill>
+              <a:srgbClr val="FDF930"/>
+            </a:solidFill>
+          </a:ln>
+        </p:spPr>
+        <p:style>
+          <a:lnRef idx="1">
+            <a:schemeClr val="accent1"/>
+          </a:lnRef>
+          <a:fillRef idx="0">
+            <a:schemeClr val="accent1"/>
+          </a:fillRef>
+          <a:effectRef idx="0">
+            <a:schemeClr val="accent1"/>
+          </a:effectRef>
+          <a:fontRef idx="minor">
+            <a:schemeClr val="tx1"/>
+          </a:fontRef>
+        </p:style>
+      </p:cxnSp>
+    </p:spTree>
+    <p:extLst>
+      <p:ext uri="{BB962C8B-B14F-4D97-AF65-F5344CB8AC3E}">
+        <p14:creationId xmlns:p14="http://schemas.microsoft.com/office/powerpoint/2010/main" val="2986543804"/>
       </p:ext>
     </p:extLst>
   </p:cSld>
@@ -3071,7 +3737,7 @@
           <p:cNvPr id="2" name="Title 1">
             <a:extLst>
               <a:ext uri="{FF2B5EF4-FFF2-40B4-BE49-F238E27FC236}">
-                <a16:creationId xmlns:a16="http://schemas.microsoft.com/office/drawing/2014/main" id="{B46DACA2-A88E-4A2B-89A9-051900E6CF7C}"/>
+                <a16:creationId xmlns:a16="http://schemas.microsoft.com/office/drawing/2014/main" id="{BA46D8BD-C4B8-4A7A-BBB9-170AA672B541}"/>
               </a:ext>
             </a:extLst>
           </p:cNvPr>
@@ -3089,13 +3755,218 @@
           </a:bodyPr>
           <a:lstStyle/>
           <a:p>
-            <a:pPr marL="571500" indent="-571500">
-              <a:buFont typeface="Arial"/>
-              <a:buChar char="•"/>
-            </a:pPr>
-            <a:r>
-              <a:rPr lang="en-US" sz="2800" dirty="0">
-                <a:cs typeface="Calibri Light"/>
+            <a:r>
+              <a:rPr lang="en-US" sz="3600" dirty="0"/>
+              <a:t>Hypothesis</a:t>
+            </a:r>
+          </a:p>
+        </p:txBody>
+      </p:sp>
+      <p:pic>
+        <p:nvPicPr>
+          <p:cNvPr id="5" name="Content Placeholder 4">
+            <a:extLst>
+              <a:ext uri="{FF2B5EF4-FFF2-40B4-BE49-F238E27FC236}">
+                <a16:creationId xmlns:a16="http://schemas.microsoft.com/office/drawing/2014/main" id="{2A1668C0-BBF3-4815-9B2A-B1F3CB3AE832}"/>
+              </a:ext>
+            </a:extLst>
+          </p:cNvPr>
+          <p:cNvPicPr>
+            <a:picLocks noGrp="1" noChangeAspect="1"/>
+          </p:cNvPicPr>
+          <p:nvPr>
+            <p:ph type="pic" idx="1"/>
+          </p:nvPr>
+        </p:nvPicPr>
+        <p:blipFill rotWithShape="1">
+          <a:blip r:embed="rId2">
+            <a:extLst>
+              <a:ext uri="{28A0092B-C50C-407E-A947-70E740481C1C}">
+                <a14:useLocalDpi xmlns:a14="http://schemas.microsoft.com/office/drawing/2010/main" val="0"/>
+              </a:ext>
+            </a:extLst>
+          </a:blip>
+          <a:srcRect l="6515" r="6515"/>
+          <a:stretch/>
+        </p:blipFill>
+        <p:spPr/>
+      </p:pic>
+      <p:sp>
+        <p:nvSpPr>
+          <p:cNvPr id="6" name="Text Placeholder 5">
+            <a:extLst>
+              <a:ext uri="{FF2B5EF4-FFF2-40B4-BE49-F238E27FC236}">
+                <a16:creationId xmlns:a16="http://schemas.microsoft.com/office/drawing/2014/main" id="{177E2372-7C9C-4E08-A5EC-9F43196B1729}"/>
+              </a:ext>
+            </a:extLst>
+          </p:cNvPr>
+          <p:cNvSpPr>
+            <a:spLocks noGrp="1"/>
+          </p:cNvSpPr>
+          <p:nvPr>
+            <p:ph type="body" sz="half" idx="2"/>
+          </p:nvPr>
+        </p:nvSpPr>
+        <p:spPr/>
+        <p:txBody>
+          <a:bodyPr>
+            <a:normAutofit lnSpcReduction="10000"/>
+          </a:bodyPr>
+          <a:lstStyle/>
+          <a:p>
+            <a:r>
+              <a:rPr lang="en-US" sz="2400" dirty="0"/>
+              <a:t> - Our initial hypothesis was that there would be a compelling connection between the use of pesticides and colony collapse disorder.</a:t>
+            </a:r>
+          </a:p>
+          <a:p>
+            <a:r>
+              <a:rPr lang="en-US" sz="2400" dirty="0"/>
+              <a:t>- Our analysis grew to include the other categories of problems facing honey bees, as the various US states surveyed have unique and varied problems.</a:t>
+            </a:r>
+          </a:p>
+        </p:txBody>
+      </p:sp>
+    </p:spTree>
+    <p:extLst>
+      <p:ext uri="{BB962C8B-B14F-4D97-AF65-F5344CB8AC3E}">
+        <p14:creationId xmlns:p14="http://schemas.microsoft.com/office/powerpoint/2010/main" val="960319589"/>
+      </p:ext>
+    </p:extLst>
+  </p:cSld>
+  <p:clrMapOvr>
+    <a:masterClrMapping/>
+  </p:clrMapOvr>
+</p:sld>
+</file>
+
+<file path=ppt/slides/slide3.xml><?xml version="1.0" encoding="utf-8"?>
+<p:sld xmlns:a="http://schemas.openxmlformats.org/drawingml/2006/main" xmlns:r="http://schemas.openxmlformats.org/officeDocument/2006/relationships" xmlns:p="http://schemas.openxmlformats.org/presentationml/2006/main">
+  <p:cSld>
+    <p:bg>
+      <p:bgPr>
+        <a:solidFill>
+          <a:schemeClr val="bg1"/>
+        </a:solidFill>
+        <a:effectLst/>
+      </p:bgPr>
+    </p:bg>
+    <p:spTree>
+      <p:nvGrpSpPr>
+        <p:cNvPr id="1" name=""/>
+        <p:cNvGrpSpPr/>
+        <p:nvPr/>
+      </p:nvGrpSpPr>
+      <p:grpSpPr>
+        <a:xfrm>
+          <a:off x="0" y="0"/>
+          <a:ext cx="0" cy="0"/>
+          <a:chOff x="0" y="0"/>
+          <a:chExt cx="0" cy="0"/>
+        </a:xfrm>
+      </p:grpSpPr>
+      <p:sp>
+        <p:nvSpPr>
+          <p:cNvPr id="11" name="Rectangle 10">
+            <a:extLst>
+              <a:ext uri="{FF2B5EF4-FFF2-40B4-BE49-F238E27FC236}">
+                <a16:creationId xmlns:a16="http://schemas.microsoft.com/office/drawing/2014/main" id="{1707FC24-6981-43D9-B525-C7832BA22463}"/>
+              </a:ext>
+              <a:ext uri="{C183D7F6-B498-43B3-948B-1728B52AA6E4}">
+                <adec:decorative xmlns:adec="http://schemas.microsoft.com/office/drawing/2017/decorative" val="1"/>
+              </a:ext>
+            </a:extLst>
+          </p:cNvPr>
+          <p:cNvSpPr>
+            <a:spLocks noGrp="1" noRot="1" noChangeAspect="1" noMove="1" noResize="1" noEditPoints="1" noAdjustHandles="1" noChangeArrowheads="1" noChangeShapeType="1" noTextEdit="1"/>
+          </p:cNvSpPr>
+          <p:nvPr>
+            <p:extLst>
+              <p:ext uri="{386F3935-93C4-4BCD-93E2-E3B085C9AB24}">
+                <p16:designElem xmlns:p16="http://schemas.microsoft.com/office/powerpoint/2015/main" val="1"/>
+              </p:ext>
+            </p:extLst>
+          </p:nvPr>
+        </p:nvSpPr>
+        <p:spPr bwMode="ltGray">
+          <a:xfrm>
+            <a:off x="336884" y="311449"/>
+            <a:ext cx="4332307" cy="6179552"/>
+          </a:xfrm>
+          <a:prstGeom prst="rect">
+            <a:avLst/>
+          </a:prstGeom>
+          <a:solidFill>
+            <a:srgbClr val="404040"/>
+          </a:solidFill>
+          <a:ln w="127000" cap="sq" cmpd="thinThick">
+            <a:solidFill>
+              <a:srgbClr val="404040"/>
+            </a:solidFill>
+          </a:ln>
+        </p:spPr>
+        <p:style>
+          <a:lnRef idx="2">
+            <a:schemeClr val="accent1">
+              <a:shade val="50000"/>
+            </a:schemeClr>
+          </a:lnRef>
+          <a:fillRef idx="1">
+            <a:schemeClr val="accent1"/>
+          </a:fillRef>
+          <a:effectRef idx="0">
+            <a:schemeClr val="accent1"/>
+          </a:effectRef>
+          <a:fontRef idx="minor">
+            <a:schemeClr val="lt1"/>
+          </a:fontRef>
+        </p:style>
+        <p:txBody>
+          <a:bodyPr rtlCol="0" anchor="ctr"/>
+          <a:lstStyle/>
+          <a:p>
+            <a:pPr algn="ctr"/>
+            <a:endParaRPr lang="en-US"/>
+          </a:p>
+        </p:txBody>
+      </p:sp>
+      <p:sp>
+        <p:nvSpPr>
+          <p:cNvPr id="2" name="Title 1">
+            <a:extLst>
+              <a:ext uri="{FF2B5EF4-FFF2-40B4-BE49-F238E27FC236}">
+                <a16:creationId xmlns:a16="http://schemas.microsoft.com/office/drawing/2014/main" id="{B46DACA2-A88E-4A2B-89A9-051900E6CF7C}"/>
+              </a:ext>
+            </a:extLst>
+          </p:cNvPr>
+          <p:cNvSpPr>
+            <a:spLocks noGrp="1"/>
+          </p:cNvSpPr>
+          <p:nvPr>
+            <p:ph type="title"/>
+          </p:nvPr>
+        </p:nvSpPr>
+        <p:spPr>
+          <a:xfrm>
+            <a:off x="742950" y="742951"/>
+            <a:ext cx="3476625" cy="4962524"/>
+          </a:xfrm>
+        </p:spPr>
+        <p:txBody>
+          <a:bodyPr vert="horz" lIns="91440" tIns="45720" rIns="91440" bIns="45720" rtlCol="0" anchor="ctr">
+            <a:normAutofit/>
+          </a:bodyPr>
+          <a:lstStyle/>
+          <a:p>
+            <a:pPr marL="571500" indent="-571500" algn="ctr"/>
+            <a:r>
+              <a:rPr lang="en-US" sz="4100" kern="1200">
+                <a:solidFill>
+                  <a:srgbClr val="FFFFFF"/>
+                </a:solidFill>
+                <a:latin typeface="+mj-lt"/>
+                <a:ea typeface="+mj-ea"/>
+                <a:cs typeface="+mj-cs"/>
               </a:rPr>
               <a:t>More colonies appear to be affected by pesticides than lost to colony collapse disorder.</a:t>
             </a:r>
@@ -3126,9 +3997,12 @@
         </p:blipFill>
         <p:spPr>
           <a:xfrm>
-            <a:off x="2907507" y="1575421"/>
-            <a:ext cx="6365080" cy="5142879"/>
-          </a:xfrm>
+            <a:off x="5153822" y="1248456"/>
+            <a:ext cx="6553545" cy="4369030"/>
+          </a:xfrm>
+          <a:prstGeom prst="rect">
+            <a:avLst/>
+          </a:prstGeom>
         </p:spPr>
       </p:pic>
     </p:spTree>
@@ -3144,7 +4018,1193 @@
 </p:sld>
 </file>
 
-<file path=ppt/slides/slide3.xml><?xml version="1.0" encoding="utf-8"?>
+<file path=ppt/slides/slide4.xml><?xml version="1.0" encoding="utf-8"?>
+<p:sld xmlns:a="http://schemas.openxmlformats.org/drawingml/2006/main" xmlns:r="http://schemas.openxmlformats.org/officeDocument/2006/relationships" xmlns:p="http://schemas.openxmlformats.org/presentationml/2006/main">
+  <p:cSld>
+    <p:bg>
+      <p:bgPr>
+        <a:solidFill>
+          <a:schemeClr val="bg1"/>
+        </a:solidFill>
+        <a:effectLst/>
+      </p:bgPr>
+    </p:bg>
+    <p:spTree>
+      <p:nvGrpSpPr>
+        <p:cNvPr id="1" name=""/>
+        <p:cNvGrpSpPr/>
+        <p:nvPr/>
+      </p:nvGrpSpPr>
+      <p:grpSpPr>
+        <a:xfrm>
+          <a:off x="0" y="0"/>
+          <a:ext cx="0" cy="0"/>
+          <a:chOff x="0" y="0"/>
+          <a:chExt cx="0" cy="0"/>
+        </a:xfrm>
+      </p:grpSpPr>
+      <p:sp>
+        <p:nvSpPr>
+          <p:cNvPr id="26" name="Rectangle 19">
+            <a:extLst>
+              <a:ext uri="{FF2B5EF4-FFF2-40B4-BE49-F238E27FC236}">
+                <a16:creationId xmlns:a16="http://schemas.microsoft.com/office/drawing/2014/main" id="{823AC064-BC96-4F32-8AE1-B2FD38754823}"/>
+              </a:ext>
+              <a:ext uri="{C183D7F6-B498-43B3-948B-1728B52AA6E4}">
+                <adec:decorative xmlns:adec="http://schemas.microsoft.com/office/drawing/2017/decorative" val="1"/>
+              </a:ext>
+            </a:extLst>
+          </p:cNvPr>
+          <p:cNvSpPr>
+            <a:spLocks noGrp="1" noRot="1" noChangeAspect="1" noMove="1" noResize="1" noEditPoints="1" noAdjustHandles="1" noChangeArrowheads="1" noChangeShapeType="1" noTextEdit="1"/>
+          </p:cNvSpPr>
+          <p:nvPr>
+            <p:extLst>
+              <p:ext uri="{386F3935-93C4-4BCD-93E2-E3B085C9AB24}">
+                <p16:designElem xmlns:p16="http://schemas.microsoft.com/office/powerpoint/2015/main" val="1"/>
+              </p:ext>
+            </p:extLst>
+          </p:nvPr>
+        </p:nvSpPr>
+        <p:spPr bwMode="ltGray">
+          <a:xfrm>
+            <a:off x="396882" y="280374"/>
+            <a:ext cx="11438793" cy="1844256"/>
+          </a:xfrm>
+          <a:prstGeom prst="rect">
+            <a:avLst/>
+          </a:prstGeom>
+          <a:solidFill>
+            <a:srgbClr val="404040"/>
+          </a:solidFill>
+          <a:ln w="127000" cap="sq" cmpd="thinThick">
+            <a:solidFill>
+              <a:srgbClr val="404040"/>
+            </a:solidFill>
+          </a:ln>
+        </p:spPr>
+        <p:style>
+          <a:lnRef idx="2">
+            <a:schemeClr val="accent1">
+              <a:shade val="50000"/>
+            </a:schemeClr>
+          </a:lnRef>
+          <a:fillRef idx="1">
+            <a:schemeClr val="accent1"/>
+          </a:fillRef>
+          <a:effectRef idx="0">
+            <a:schemeClr val="accent1"/>
+          </a:effectRef>
+          <a:fontRef idx="minor">
+            <a:schemeClr val="lt1"/>
+          </a:fontRef>
+        </p:style>
+        <p:txBody>
+          <a:bodyPr rtlCol="0" anchor="ctr"/>
+          <a:lstStyle/>
+          <a:p>
+            <a:pPr algn="ctr"/>
+            <a:endParaRPr lang="en-US"/>
+          </a:p>
+        </p:txBody>
+      </p:sp>
+      <p:sp>
+        <p:nvSpPr>
+          <p:cNvPr id="2" name="Title 1">
+            <a:extLst>
+              <a:ext uri="{FF2B5EF4-FFF2-40B4-BE49-F238E27FC236}">
+                <a16:creationId xmlns:a16="http://schemas.microsoft.com/office/drawing/2014/main" id="{1469D4E6-0DC6-48C1-B683-9FA92299B921}"/>
+              </a:ext>
+            </a:extLst>
+          </p:cNvPr>
+          <p:cNvSpPr>
+            <a:spLocks noGrp="1"/>
+          </p:cNvSpPr>
+          <p:nvPr>
+            <p:ph type="title"/>
+          </p:nvPr>
+        </p:nvSpPr>
+        <p:spPr>
+          <a:xfrm>
+            <a:off x="546351" y="433545"/>
+            <a:ext cx="11139854" cy="930447"/>
+          </a:xfrm>
+        </p:spPr>
+        <p:txBody>
+          <a:bodyPr vert="horz" lIns="91440" tIns="45720" rIns="91440" bIns="45720" rtlCol="0" anchor="b">
+            <a:normAutofit/>
+          </a:bodyPr>
+          <a:lstStyle/>
+          <a:p>
+            <a:pPr algn="ctr"/>
+            <a:r>
+              <a:rPr lang="en-US" sz="3800">
+                <a:solidFill>
+                  <a:srgbClr val="FFFFFF"/>
+                </a:solidFill>
+              </a:rPr>
+              <a:t>Loss of Bee Colonies with CCD and Pesticides by State</a:t>
+            </a:r>
+          </a:p>
+        </p:txBody>
+      </p:sp>
+      <p:cxnSp>
+        <p:nvCxnSpPr>
+          <p:cNvPr id="27" name="Straight Connector 21">
+            <a:extLst>
+              <a:ext uri="{FF2B5EF4-FFF2-40B4-BE49-F238E27FC236}">
+                <a16:creationId xmlns:a16="http://schemas.microsoft.com/office/drawing/2014/main" id="{7E7C77BC-7138-40B1-A15B-20F57A494629}"/>
+              </a:ext>
+              <a:ext uri="{C183D7F6-B498-43B3-948B-1728B52AA6E4}">
+                <adec:decorative xmlns:adec="http://schemas.microsoft.com/office/drawing/2017/decorative" val="1"/>
+              </a:ext>
+            </a:extLst>
+          </p:cNvPr>
+          <p:cNvCxnSpPr>
+            <a:cxnSpLocks noGrp="1" noRot="1" noChangeAspect="1" noMove="1" noResize="1" noEditPoints="1" noAdjustHandles="1" noChangeArrowheads="1" noChangeShapeType="1"/>
+          </p:cNvCxnSpPr>
+          <p:nvPr>
+            <p:extLst>
+              <p:ext uri="{386F3935-93C4-4BCD-93E2-E3B085C9AB24}">
+                <p16:designElem xmlns:p16="http://schemas.microsoft.com/office/powerpoint/2015/main" val="1"/>
+              </p:ext>
+            </p:extLst>
+          </p:nvPr>
+        </p:nvCxnSpPr>
+        <p:spPr>
+          <a:xfrm>
+            <a:off x="2230078" y="1522292"/>
+            <a:ext cx="7772400" cy="0"/>
+          </a:xfrm>
+          <a:prstGeom prst="line">
+            <a:avLst/>
+          </a:prstGeom>
+          <a:ln w="22225">
+            <a:solidFill>
+              <a:srgbClr val="D9D9D9"/>
+            </a:solidFill>
+          </a:ln>
+        </p:spPr>
+        <p:style>
+          <a:lnRef idx="1">
+            <a:schemeClr val="accent1"/>
+          </a:lnRef>
+          <a:fillRef idx="0">
+            <a:schemeClr val="accent1"/>
+          </a:fillRef>
+          <a:effectRef idx="0">
+            <a:schemeClr val="accent1"/>
+          </a:effectRef>
+          <a:fontRef idx="minor">
+            <a:schemeClr val="tx1"/>
+          </a:fontRef>
+        </p:style>
+      </p:cxnSp>
+      <p:pic>
+        <p:nvPicPr>
+          <p:cNvPr id="15" name="Picture 15" descr="Chart, scatter chart&#10;&#10;Description automatically generated">
+            <a:extLst>
+              <a:ext uri="{FF2B5EF4-FFF2-40B4-BE49-F238E27FC236}">
+                <a16:creationId xmlns:a16="http://schemas.microsoft.com/office/drawing/2014/main" id="{F8E1767F-BA12-4F64-A958-E430834859D0}"/>
+              </a:ext>
+            </a:extLst>
+          </p:cNvPr>
+          <p:cNvPicPr>
+            <a:picLocks noGrp="1" noChangeAspect="1"/>
+          </p:cNvPicPr>
+          <p:nvPr>
+            <p:ph sz="half" idx="2"/>
+          </p:nvPr>
+        </p:nvPicPr>
+        <p:blipFill>
+          <a:blip r:embed="rId2"/>
+          <a:stretch>
+            <a:fillRect/>
+          </a:stretch>
+        </p:blipFill>
+        <p:spPr>
+          <a:xfrm>
+            <a:off x="291010" y="2606997"/>
+            <a:ext cx="5455917" cy="3637278"/>
+          </a:xfrm>
+          <a:prstGeom prst="rect">
+            <a:avLst/>
+          </a:prstGeom>
+        </p:spPr>
+      </p:pic>
+      <p:cxnSp>
+        <p:nvCxnSpPr>
+          <p:cNvPr id="28" name="Straight Connector 23">
+            <a:extLst>
+              <a:ext uri="{FF2B5EF4-FFF2-40B4-BE49-F238E27FC236}">
+                <a16:creationId xmlns:a16="http://schemas.microsoft.com/office/drawing/2014/main" id="{DB146403-F3D6-484B-B2ED-97F9565D0370}"/>
+              </a:ext>
+              <a:ext uri="{C183D7F6-B498-43B3-948B-1728B52AA6E4}">
+                <adec:decorative xmlns:adec="http://schemas.microsoft.com/office/drawing/2017/decorative" val="1"/>
+              </a:ext>
+            </a:extLst>
+          </p:cNvPr>
+          <p:cNvCxnSpPr>
+            <a:cxnSpLocks noGrp="1" noRot="1" noChangeAspect="1" noMove="1" noResize="1" noEditPoints="1" noAdjustHandles="1" noChangeArrowheads="1" noChangeShapeType="1"/>
+          </p:cNvCxnSpPr>
+          <p:nvPr>
+            <p:extLst>
+              <p:ext uri="{386F3935-93C4-4BCD-93E2-E3B085C9AB24}">
+                <p16:designElem xmlns:p16="http://schemas.microsoft.com/office/powerpoint/2015/main" val="1"/>
+              </p:ext>
+            </p:extLst>
+          </p:nvPr>
+        </p:nvCxnSpPr>
+        <p:spPr>
+          <a:xfrm>
+            <a:off x="6116278" y="2596836"/>
+            <a:ext cx="0" cy="3657600"/>
+          </a:xfrm>
+          <a:prstGeom prst="line">
+            <a:avLst/>
+          </a:prstGeom>
+          <a:ln w="101600" cmpd="dbl">
+            <a:solidFill>
+              <a:srgbClr val="595959"/>
+            </a:solidFill>
+          </a:ln>
+        </p:spPr>
+        <p:style>
+          <a:lnRef idx="1">
+            <a:schemeClr val="accent1"/>
+          </a:lnRef>
+          <a:fillRef idx="0">
+            <a:schemeClr val="accent1"/>
+          </a:fillRef>
+          <a:effectRef idx="0">
+            <a:schemeClr val="accent1"/>
+          </a:effectRef>
+          <a:fontRef idx="minor">
+            <a:schemeClr val="tx1"/>
+          </a:fontRef>
+        </p:style>
+      </p:cxnSp>
+      <p:pic>
+        <p:nvPicPr>
+          <p:cNvPr id="12" name="Picture 12" descr="Chart, scatter chart&#10;&#10;Description automatically generated">
+            <a:extLst>
+              <a:ext uri="{FF2B5EF4-FFF2-40B4-BE49-F238E27FC236}">
+                <a16:creationId xmlns:a16="http://schemas.microsoft.com/office/drawing/2014/main" id="{EB8B2F56-21E1-4781-9A1E-E60CC3CEE18C}"/>
+              </a:ext>
+            </a:extLst>
+          </p:cNvPr>
+          <p:cNvPicPr>
+            <a:picLocks noGrp="1" noChangeAspect="1"/>
+          </p:cNvPicPr>
+          <p:nvPr>
+            <p:ph sz="half" idx="1"/>
+          </p:nvPr>
+        </p:nvPicPr>
+        <p:blipFill>
+          <a:blip r:embed="rId3"/>
+          <a:stretch>
+            <a:fillRect/>
+          </a:stretch>
+        </p:blipFill>
+        <p:spPr>
+          <a:xfrm>
+            <a:off x="6445073" y="2606997"/>
+            <a:ext cx="5455917" cy="3637278"/>
+          </a:xfrm>
+          <a:prstGeom prst="rect">
+            <a:avLst/>
+          </a:prstGeom>
+        </p:spPr>
+      </p:pic>
+    </p:spTree>
+    <p:extLst>
+      <p:ext uri="{BB962C8B-B14F-4D97-AF65-F5344CB8AC3E}">
+        <p14:creationId xmlns:p14="http://schemas.microsoft.com/office/powerpoint/2010/main" val="3033819484"/>
+      </p:ext>
+    </p:extLst>
+  </p:cSld>
+  <p:clrMapOvr>
+    <a:masterClrMapping/>
+  </p:clrMapOvr>
+</p:sld>
+</file>
+
+<file path=ppt/slides/slide5.xml><?xml version="1.0" encoding="utf-8"?>
+<p:sld xmlns:a="http://schemas.openxmlformats.org/drawingml/2006/main" xmlns:r="http://schemas.openxmlformats.org/officeDocument/2006/relationships" xmlns:p="http://schemas.openxmlformats.org/presentationml/2006/main">
+  <p:cSld>
+    <p:bg>
+      <p:bgPr>
+        <a:solidFill>
+          <a:schemeClr val="bg1"/>
+        </a:solidFill>
+        <a:effectLst/>
+      </p:bgPr>
+    </p:bg>
+    <p:spTree>
+      <p:nvGrpSpPr>
+        <p:cNvPr id="1" name=""/>
+        <p:cNvGrpSpPr/>
+        <p:nvPr/>
+      </p:nvGrpSpPr>
+      <p:grpSpPr>
+        <a:xfrm>
+          <a:off x="0" y="0"/>
+          <a:ext cx="0" cy="0"/>
+          <a:chOff x="0" y="0"/>
+          <a:chExt cx="0" cy="0"/>
+        </a:xfrm>
+      </p:grpSpPr>
+      <p:cxnSp>
+        <p:nvCxnSpPr>
+          <p:cNvPr id="13" name="Straight Connector 12">
+            <a:extLst>
+              <a:ext uri="{FF2B5EF4-FFF2-40B4-BE49-F238E27FC236}">
+                <a16:creationId xmlns:a16="http://schemas.microsoft.com/office/drawing/2014/main" id="{D2E961F1-4A28-4A5F-BBD4-6E400E5E6C75}"/>
+              </a:ext>
+              <a:ext uri="{C183D7F6-B498-43B3-948B-1728B52AA6E4}">
+                <adec:decorative xmlns:adec="http://schemas.microsoft.com/office/drawing/2017/decorative" val="1"/>
+              </a:ext>
+            </a:extLst>
+          </p:cNvPr>
+          <p:cNvCxnSpPr>
+            <a:cxnSpLocks noGrp="1" noRot="1" noChangeAspect="1" noMove="1" noResize="1" noEditPoints="1" noAdjustHandles="1" noChangeArrowheads="1" noChangeShapeType="1"/>
+          </p:cNvCxnSpPr>
+          <p:nvPr>
+            <p:extLst>
+              <p:ext uri="{386F3935-93C4-4BCD-93E2-E3B085C9AB24}">
+                <p16:designElem xmlns:p16="http://schemas.microsoft.com/office/powerpoint/2015/main" val="1"/>
+              </p:ext>
+            </p:extLst>
+          </p:nvPr>
+        </p:nvCxnSpPr>
+        <p:spPr bwMode="white">
+          <a:xfrm>
+            <a:off x="0" y="272357"/>
+            <a:ext cx="12188824" cy="0"/>
+          </a:xfrm>
+          <a:prstGeom prst="line">
+            <a:avLst/>
+          </a:prstGeom>
+          <a:ln w="50800">
+            <a:solidFill>
+              <a:schemeClr val="tx1">
+                <a:lumMod val="75000"/>
+                <a:lumOff val="25000"/>
+              </a:schemeClr>
+            </a:solidFill>
+          </a:ln>
+        </p:spPr>
+        <p:style>
+          <a:lnRef idx="1">
+            <a:schemeClr val="accent1"/>
+          </a:lnRef>
+          <a:fillRef idx="0">
+            <a:schemeClr val="accent1"/>
+          </a:fillRef>
+          <a:effectRef idx="0">
+            <a:schemeClr val="accent1"/>
+          </a:effectRef>
+          <a:fontRef idx="minor">
+            <a:schemeClr val="tx1"/>
+          </a:fontRef>
+        </p:style>
+      </p:cxnSp>
+      <p:sp>
+        <p:nvSpPr>
+          <p:cNvPr id="15" name="Rectangle 14">
+            <a:extLst>
+              <a:ext uri="{FF2B5EF4-FFF2-40B4-BE49-F238E27FC236}">
+                <a16:creationId xmlns:a16="http://schemas.microsoft.com/office/drawing/2014/main" id="{7F57BEA8-497D-4AA8-8A18-BDCD696B25FE}"/>
+              </a:ext>
+              <a:ext uri="{C183D7F6-B498-43B3-948B-1728B52AA6E4}">
+                <adec:decorative xmlns:adec="http://schemas.microsoft.com/office/drawing/2017/decorative" val="1"/>
+              </a:ext>
+            </a:extLst>
+          </p:cNvPr>
+          <p:cNvSpPr>
+            <a:spLocks noGrp="1" noRot="1" noChangeAspect="1" noMove="1" noResize="1" noEditPoints="1" noAdjustHandles="1" noChangeArrowheads="1" noChangeShapeType="1" noTextEdit="1"/>
+          </p:cNvSpPr>
+          <p:nvPr>
+            <p:extLst>
+              <p:ext uri="{386F3935-93C4-4BCD-93E2-E3B085C9AB24}">
+                <p16:designElem xmlns:p16="http://schemas.microsoft.com/office/powerpoint/2015/main" val="1"/>
+              </p:ext>
+            </p:extLst>
+          </p:nvPr>
+        </p:nvSpPr>
+        <p:spPr>
+          <a:xfrm>
+            <a:off x="0" y="368596"/>
+            <a:ext cx="12192000" cy="1735555"/>
+          </a:xfrm>
+          <a:prstGeom prst="rect">
+            <a:avLst/>
+          </a:prstGeom>
+          <a:solidFill>
+            <a:schemeClr val="tx1">
+              <a:lumMod val="75000"/>
+              <a:lumOff val="25000"/>
+            </a:schemeClr>
+          </a:solidFill>
+          <a:ln>
+            <a:noFill/>
+          </a:ln>
+        </p:spPr>
+        <p:style>
+          <a:lnRef idx="2">
+            <a:schemeClr val="accent1">
+              <a:shade val="50000"/>
+            </a:schemeClr>
+          </a:lnRef>
+          <a:fillRef idx="1">
+            <a:schemeClr val="accent1"/>
+          </a:fillRef>
+          <a:effectRef idx="0">
+            <a:schemeClr val="accent1"/>
+          </a:effectRef>
+          <a:fontRef idx="minor">
+            <a:schemeClr val="lt1"/>
+          </a:fontRef>
+        </p:style>
+        <p:txBody>
+          <a:bodyPr rtlCol="0" anchor="ctr"/>
+          <a:lstStyle/>
+          <a:p>
+            <a:pPr algn="ctr"/>
+            <a:endParaRPr lang="en-US"/>
+          </a:p>
+        </p:txBody>
+      </p:sp>
+      <p:sp>
+        <p:nvSpPr>
+          <p:cNvPr id="5" name="Title 4">
+            <a:extLst>
+              <a:ext uri="{FF2B5EF4-FFF2-40B4-BE49-F238E27FC236}">
+                <a16:creationId xmlns:a16="http://schemas.microsoft.com/office/drawing/2014/main" id="{5A16A3B4-79A0-4688-AADB-B9B998D21094}"/>
+              </a:ext>
+            </a:extLst>
+          </p:cNvPr>
+          <p:cNvSpPr>
+            <a:spLocks noGrp="1"/>
+          </p:cNvSpPr>
+          <p:nvPr>
+            <p:ph type="title"/>
+          </p:nvPr>
+        </p:nvSpPr>
+        <p:spPr>
+          <a:xfrm>
+            <a:off x="526073" y="489439"/>
+            <a:ext cx="11139854" cy="930447"/>
+          </a:xfrm>
+        </p:spPr>
+        <p:txBody>
+          <a:bodyPr vert="horz" lIns="91440" tIns="45720" rIns="91440" bIns="45720" rtlCol="0" anchor="b">
+            <a:normAutofit/>
+          </a:bodyPr>
+          <a:lstStyle/>
+          <a:p>
+            <a:pPr algn="ctr"/>
+            <a:r>
+              <a:rPr lang="en-US" sz="5400" kern="1200" dirty="0">
+                <a:solidFill>
+                  <a:schemeClr val="bg1"/>
+                </a:solidFill>
+                <a:latin typeface="+mj-lt"/>
+                <a:ea typeface="+mj-ea"/>
+                <a:cs typeface="+mj-cs"/>
+              </a:rPr>
+              <a:t>Accumulated Adverse Effects by State</a:t>
+            </a:r>
+          </a:p>
+        </p:txBody>
+      </p:sp>
+      <p:cxnSp>
+        <p:nvCxnSpPr>
+          <p:cNvPr id="17" name="Straight Connector 16">
+            <a:extLst>
+              <a:ext uri="{FF2B5EF4-FFF2-40B4-BE49-F238E27FC236}">
+                <a16:creationId xmlns:a16="http://schemas.microsoft.com/office/drawing/2014/main" id="{A82415D3-DDE5-4D63-8CB3-23A5EC581B27}"/>
+              </a:ext>
+              <a:ext uri="{C183D7F6-B498-43B3-948B-1728B52AA6E4}">
+                <adec:decorative xmlns:adec="http://schemas.microsoft.com/office/drawing/2017/decorative" val="1"/>
+              </a:ext>
+            </a:extLst>
+          </p:cNvPr>
+          <p:cNvCxnSpPr>
+            <a:cxnSpLocks noGrp="1" noRot="1" noChangeAspect="1" noMove="1" noResize="1" noEditPoints="1" noAdjustHandles="1" noChangeArrowheads="1" noChangeShapeType="1"/>
+          </p:cNvCxnSpPr>
+          <p:nvPr>
+            <p:extLst>
+              <p:ext uri="{386F3935-93C4-4BCD-93E2-E3B085C9AB24}">
+                <p16:designElem xmlns:p16="http://schemas.microsoft.com/office/powerpoint/2015/main" val="1"/>
+              </p:ext>
+            </p:extLst>
+          </p:nvPr>
+        </p:nvCxnSpPr>
+        <p:spPr>
+          <a:xfrm>
+            <a:off x="4724400" y="1479733"/>
+            <a:ext cx="2743200" cy="0"/>
+          </a:xfrm>
+          <a:prstGeom prst="line">
+            <a:avLst/>
+          </a:prstGeom>
+          <a:ln w="19050">
+            <a:solidFill>
+              <a:schemeClr val="bg1">
+                <a:alpha val="75000"/>
+              </a:schemeClr>
+            </a:solidFill>
+          </a:ln>
+        </p:spPr>
+        <p:style>
+          <a:lnRef idx="1">
+            <a:schemeClr val="accent1"/>
+          </a:lnRef>
+          <a:fillRef idx="0">
+            <a:schemeClr val="accent1"/>
+          </a:fillRef>
+          <a:effectRef idx="0">
+            <a:schemeClr val="accent1"/>
+          </a:effectRef>
+          <a:fontRef idx="minor">
+            <a:schemeClr val="tx1"/>
+          </a:fontRef>
+        </p:style>
+      </p:cxnSp>
+      <p:cxnSp>
+        <p:nvCxnSpPr>
+          <p:cNvPr id="19" name="Straight Connector 18">
+            <a:extLst>
+              <a:ext uri="{FF2B5EF4-FFF2-40B4-BE49-F238E27FC236}">
+                <a16:creationId xmlns:a16="http://schemas.microsoft.com/office/drawing/2014/main" id="{AD7193FB-6AE6-4B3B-8F89-56B55DD63B4D}"/>
+              </a:ext>
+              <a:ext uri="{C183D7F6-B498-43B3-948B-1728B52AA6E4}">
+                <adec:decorative xmlns:adec="http://schemas.microsoft.com/office/drawing/2017/decorative" val="1"/>
+              </a:ext>
+            </a:extLst>
+          </p:cNvPr>
+          <p:cNvCxnSpPr>
+            <a:cxnSpLocks noGrp="1" noRot="1" noChangeAspect="1" noMove="1" noResize="1" noEditPoints="1" noAdjustHandles="1" noChangeArrowheads="1" noChangeShapeType="1"/>
+          </p:cNvCxnSpPr>
+          <p:nvPr>
+            <p:extLst>
+              <p:ext uri="{386F3935-93C4-4BCD-93E2-E3B085C9AB24}">
+                <p16:designElem xmlns:p16="http://schemas.microsoft.com/office/powerpoint/2015/main" val="1"/>
+              </p:ext>
+            </p:extLst>
+          </p:nvPr>
+        </p:nvCxnSpPr>
+        <p:spPr bwMode="white">
+          <a:xfrm>
+            <a:off x="0" y="2201402"/>
+            <a:ext cx="12188824" cy="0"/>
+          </a:xfrm>
+          <a:prstGeom prst="line">
+            <a:avLst/>
+          </a:prstGeom>
+          <a:ln w="50800">
+            <a:solidFill>
+              <a:schemeClr val="tx1">
+                <a:lumMod val="75000"/>
+                <a:lumOff val="25000"/>
+              </a:schemeClr>
+            </a:solidFill>
+          </a:ln>
+        </p:spPr>
+        <p:style>
+          <a:lnRef idx="1">
+            <a:schemeClr val="accent1"/>
+          </a:lnRef>
+          <a:fillRef idx="0">
+            <a:schemeClr val="accent1"/>
+          </a:fillRef>
+          <a:effectRef idx="0">
+            <a:schemeClr val="accent1"/>
+          </a:effectRef>
+          <a:fontRef idx="minor">
+            <a:schemeClr val="tx1"/>
+          </a:fontRef>
+        </p:style>
+      </p:cxnSp>
+      <p:pic>
+        <p:nvPicPr>
+          <p:cNvPr id="8" name="Content Placeholder 7" descr="Text, application&#10;&#10;Description automatically generated">
+            <a:extLst>
+              <a:ext uri="{FF2B5EF4-FFF2-40B4-BE49-F238E27FC236}">
+                <a16:creationId xmlns:a16="http://schemas.microsoft.com/office/drawing/2014/main" id="{C3EE74AA-3965-413F-BD21-370F4F4326E3}"/>
+              </a:ext>
+            </a:extLst>
+          </p:cNvPr>
+          <p:cNvPicPr>
+            <a:picLocks noGrp="1" noChangeAspect="1"/>
+          </p:cNvPicPr>
+          <p:nvPr>
+            <p:ph idx="1"/>
+          </p:nvPr>
+        </p:nvPicPr>
+        <p:blipFill>
+          <a:blip r:embed="rId2">
+            <a:extLst>
+              <a:ext uri="{28A0092B-C50C-407E-A947-70E740481C1C}">
+                <a14:useLocalDpi xmlns:a14="http://schemas.microsoft.com/office/drawing/2010/main" val="0"/>
+              </a:ext>
+            </a:extLst>
+          </a:blip>
+          <a:stretch>
+            <a:fillRect/>
+          </a:stretch>
+        </p:blipFill>
+        <p:spPr>
+          <a:xfrm>
+            <a:off x="910209" y="2427541"/>
+            <a:ext cx="10316483" cy="3997637"/>
+          </a:xfrm>
+          <a:prstGeom prst="rect">
+            <a:avLst/>
+          </a:prstGeom>
+        </p:spPr>
+      </p:pic>
+    </p:spTree>
+    <p:extLst>
+      <p:ext uri="{BB962C8B-B14F-4D97-AF65-F5344CB8AC3E}">
+        <p14:creationId xmlns:p14="http://schemas.microsoft.com/office/powerpoint/2010/main" val="406775504"/>
+      </p:ext>
+    </p:extLst>
+  </p:cSld>
+  <p:clrMapOvr>
+    <a:masterClrMapping/>
+  </p:clrMapOvr>
+</p:sld>
+</file>
+
+<file path=ppt/slides/slide6.xml><?xml version="1.0" encoding="utf-8"?>
+<p:sld xmlns:a="http://schemas.openxmlformats.org/drawingml/2006/main" xmlns:r="http://schemas.openxmlformats.org/officeDocument/2006/relationships" xmlns:p="http://schemas.openxmlformats.org/presentationml/2006/main">
+  <p:cSld>
+    <p:bg>
+      <p:bgPr>
+        <a:solidFill>
+          <a:schemeClr val="bg1"/>
+        </a:solidFill>
+        <a:effectLst/>
+      </p:bgPr>
+    </p:bg>
+    <p:spTree>
+      <p:nvGrpSpPr>
+        <p:cNvPr id="1" name=""/>
+        <p:cNvGrpSpPr/>
+        <p:nvPr/>
+      </p:nvGrpSpPr>
+      <p:grpSpPr>
+        <a:xfrm>
+          <a:off x="0" y="0"/>
+          <a:ext cx="0" cy="0"/>
+          <a:chOff x="0" y="0"/>
+          <a:chExt cx="0" cy="0"/>
+        </a:xfrm>
+      </p:grpSpPr>
+      <p:sp>
+        <p:nvSpPr>
+          <p:cNvPr id="10" name="Rectangle 9">
+            <a:extLst>
+              <a:ext uri="{FF2B5EF4-FFF2-40B4-BE49-F238E27FC236}">
+                <a16:creationId xmlns:a16="http://schemas.microsoft.com/office/drawing/2014/main" id="{823AC064-BC96-4F32-8AE1-B2FD38754823}"/>
+              </a:ext>
+              <a:ext uri="{C183D7F6-B498-43B3-948B-1728B52AA6E4}">
+                <adec:decorative xmlns:adec="http://schemas.microsoft.com/office/drawing/2017/decorative" val="1"/>
+              </a:ext>
+            </a:extLst>
+          </p:cNvPr>
+          <p:cNvSpPr>
+            <a:spLocks noGrp="1" noRot="1" noChangeAspect="1" noMove="1" noResize="1" noEditPoints="1" noAdjustHandles="1" noChangeArrowheads="1" noChangeShapeType="1" noTextEdit="1"/>
+          </p:cNvSpPr>
+          <p:nvPr>
+            <p:extLst>
+              <p:ext uri="{386F3935-93C4-4BCD-93E2-E3B085C9AB24}">
+                <p16:designElem xmlns:p16="http://schemas.microsoft.com/office/powerpoint/2015/main" val="1"/>
+              </p:ext>
+            </p:extLst>
+          </p:nvPr>
+        </p:nvSpPr>
+        <p:spPr bwMode="ltGray">
+          <a:xfrm>
+            <a:off x="378068" y="343486"/>
+            <a:ext cx="11438793" cy="1844256"/>
+          </a:xfrm>
+          <a:prstGeom prst="rect">
+            <a:avLst/>
+          </a:prstGeom>
+          <a:solidFill>
+            <a:srgbClr val="404040"/>
+          </a:solidFill>
+          <a:ln w="127000" cap="sq" cmpd="thinThick">
+            <a:solidFill>
+              <a:srgbClr val="404040"/>
+            </a:solidFill>
+          </a:ln>
+        </p:spPr>
+        <p:style>
+          <a:lnRef idx="2">
+            <a:schemeClr val="accent1">
+              <a:shade val="50000"/>
+            </a:schemeClr>
+          </a:lnRef>
+          <a:fillRef idx="1">
+            <a:schemeClr val="accent1"/>
+          </a:fillRef>
+          <a:effectRef idx="0">
+            <a:schemeClr val="accent1"/>
+          </a:effectRef>
+          <a:fontRef idx="minor">
+            <a:schemeClr val="lt1"/>
+          </a:fontRef>
+        </p:style>
+        <p:txBody>
+          <a:bodyPr rtlCol="0" anchor="ctr"/>
+          <a:lstStyle/>
+          <a:p>
+            <a:pPr marL="0" marR="0" lvl="0" indent="0" algn="ctr" defTabSz="914400" rtl="0" eaLnBrk="1" fontAlgn="auto" latinLnBrk="0" hangingPunct="1">
+              <a:lnSpc>
+                <a:spcPct val="100000"/>
+              </a:lnSpc>
+              <a:spcBef>
+                <a:spcPts val="0"/>
+              </a:spcBef>
+              <a:spcAft>
+                <a:spcPts val="0"/>
+              </a:spcAft>
+              <a:buClrTx/>
+              <a:buSzTx/>
+              <a:buFontTx/>
+              <a:buNone/>
+              <a:tabLst/>
+              <a:defRPr/>
+            </a:pPr>
+            <a:endParaRPr kumimoji="0" lang="en-US" sz="1800" b="0" i="0" u="none" strike="noStrike" kern="1200" cap="none" spc="0" normalizeH="0" baseline="0" noProof="0">
+              <a:ln>
+                <a:noFill/>
+              </a:ln>
+              <a:solidFill>
+                <a:prstClr val="white"/>
+              </a:solidFill>
+              <a:effectLst/>
+              <a:uLnTx/>
+              <a:uFillTx/>
+              <a:latin typeface="Calibri" panose="020F0502020204030204"/>
+              <a:ea typeface="+mn-ea"/>
+              <a:cs typeface="+mn-cs"/>
+            </a:endParaRPr>
+          </a:p>
+        </p:txBody>
+      </p:sp>
+      <p:sp>
+        <p:nvSpPr>
+          <p:cNvPr id="2" name="Title 1">
+            <a:extLst>
+              <a:ext uri="{FF2B5EF4-FFF2-40B4-BE49-F238E27FC236}">
+                <a16:creationId xmlns:a16="http://schemas.microsoft.com/office/drawing/2014/main" id="{CD92075A-5B9A-4A77-B53B-196782ADA8E8}"/>
+              </a:ext>
+            </a:extLst>
+          </p:cNvPr>
+          <p:cNvSpPr>
+            <a:spLocks noGrp="1"/>
+          </p:cNvSpPr>
+          <p:nvPr>
+            <p:ph type="title"/>
+          </p:nvPr>
+        </p:nvSpPr>
+        <p:spPr>
+          <a:xfrm>
+            <a:off x="526073" y="466578"/>
+            <a:ext cx="11139854" cy="930447"/>
+          </a:xfrm>
+        </p:spPr>
+        <p:txBody>
+          <a:bodyPr vert="horz" lIns="91440" tIns="45720" rIns="91440" bIns="45720" rtlCol="0" anchor="b">
+            <a:normAutofit/>
+          </a:bodyPr>
+          <a:lstStyle/>
+          <a:p>
+            <a:pPr algn="ctr"/>
+            <a:r>
+              <a:rPr lang="en-US" sz="5400" kern="1200" dirty="0" err="1">
+                <a:solidFill>
+                  <a:srgbClr val="FFFFFF"/>
+                </a:solidFill>
+                <a:latin typeface="+mj-lt"/>
+                <a:ea typeface="+mj-ea"/>
+                <a:cs typeface="+mj-cs"/>
+              </a:rPr>
+              <a:t>DataFrame</a:t>
+            </a:r>
+            <a:r>
+              <a:rPr lang="en-US" sz="5400" kern="1200" dirty="0">
+                <a:solidFill>
+                  <a:srgbClr val="FFFFFF"/>
+                </a:solidFill>
+                <a:latin typeface="+mj-lt"/>
+                <a:ea typeface="+mj-ea"/>
+                <a:cs typeface="+mj-cs"/>
+              </a:rPr>
+              <a:t> With Adverse Effects</a:t>
+            </a:r>
+          </a:p>
+        </p:txBody>
+      </p:sp>
+      <p:cxnSp>
+        <p:nvCxnSpPr>
+          <p:cNvPr id="12" name="Straight Connector 11">
+            <a:extLst>
+              <a:ext uri="{FF2B5EF4-FFF2-40B4-BE49-F238E27FC236}">
+                <a16:creationId xmlns:a16="http://schemas.microsoft.com/office/drawing/2014/main" id="{7E7C77BC-7138-40B1-A15B-20F57A494629}"/>
+              </a:ext>
+              <a:ext uri="{C183D7F6-B498-43B3-948B-1728B52AA6E4}">
+                <adec:decorative xmlns:adec="http://schemas.microsoft.com/office/drawing/2017/decorative" val="1"/>
+              </a:ext>
+            </a:extLst>
+          </p:cNvPr>
+          <p:cNvCxnSpPr>
+            <a:cxnSpLocks noGrp="1" noRot="1" noChangeAspect="1" noMove="1" noResize="1" noEditPoints="1" noAdjustHandles="1" noChangeArrowheads="1" noChangeShapeType="1"/>
+          </p:cNvCxnSpPr>
+          <p:nvPr>
+            <p:extLst>
+              <p:ext uri="{386F3935-93C4-4BCD-93E2-E3B085C9AB24}">
+                <p16:designElem xmlns:p16="http://schemas.microsoft.com/office/powerpoint/2015/main" val="1"/>
+              </p:ext>
+            </p:extLst>
+          </p:nvPr>
+        </p:nvCxnSpPr>
+        <p:spPr>
+          <a:xfrm>
+            <a:off x="2209800" y="1448631"/>
+            <a:ext cx="7772400" cy="0"/>
+          </a:xfrm>
+          <a:prstGeom prst="line">
+            <a:avLst/>
+          </a:prstGeom>
+          <a:ln w="22225">
+            <a:solidFill>
+              <a:srgbClr val="D9D9D9"/>
+            </a:solidFill>
+          </a:ln>
+        </p:spPr>
+        <p:style>
+          <a:lnRef idx="1">
+            <a:schemeClr val="accent1"/>
+          </a:lnRef>
+          <a:fillRef idx="0">
+            <a:schemeClr val="accent1"/>
+          </a:fillRef>
+          <a:effectRef idx="0">
+            <a:schemeClr val="accent1"/>
+          </a:effectRef>
+          <a:fontRef idx="minor">
+            <a:schemeClr val="tx1"/>
+          </a:fontRef>
+        </p:style>
+      </p:cxnSp>
+      <p:pic>
+        <p:nvPicPr>
+          <p:cNvPr id="5" name="Content Placeholder 4" descr="Table&#10;&#10;Description automatically generated">
+            <a:extLst>
+              <a:ext uri="{FF2B5EF4-FFF2-40B4-BE49-F238E27FC236}">
+                <a16:creationId xmlns:a16="http://schemas.microsoft.com/office/drawing/2014/main" id="{E66CB3B6-C780-4D62-97A4-EB8003A7F4CB}"/>
+              </a:ext>
+            </a:extLst>
+          </p:cNvPr>
+          <p:cNvPicPr>
+            <a:picLocks noGrp="1" noChangeAspect="1"/>
+          </p:cNvPicPr>
+          <p:nvPr>
+            <p:ph idx="1"/>
+          </p:nvPr>
+        </p:nvPicPr>
+        <p:blipFill>
+          <a:blip r:embed="rId2">
+            <a:extLst>
+              <a:ext uri="{28A0092B-C50C-407E-A947-70E740481C1C}">
+                <a14:useLocalDpi xmlns:a14="http://schemas.microsoft.com/office/drawing/2010/main" val="0"/>
+              </a:ext>
+            </a:extLst>
+          </a:blip>
+          <a:stretch>
+            <a:fillRect/>
+          </a:stretch>
+        </p:blipFill>
+        <p:spPr>
+          <a:xfrm>
+            <a:off x="320040" y="2640496"/>
+            <a:ext cx="11496821" cy="3736467"/>
+          </a:xfrm>
+          <a:prstGeom prst="rect">
+            <a:avLst/>
+          </a:prstGeom>
+        </p:spPr>
+      </p:pic>
+    </p:spTree>
+    <p:extLst>
+      <p:ext uri="{BB962C8B-B14F-4D97-AF65-F5344CB8AC3E}">
+        <p14:creationId xmlns:p14="http://schemas.microsoft.com/office/powerpoint/2010/main" val="1944002913"/>
+      </p:ext>
+    </p:extLst>
+  </p:cSld>
+  <p:clrMapOvr>
+    <a:masterClrMapping/>
+  </p:clrMapOvr>
+</p:sld>
+</file>
+
+<file path=ppt/slides/slide7.xml><?xml version="1.0" encoding="utf-8"?>
+<p:sld xmlns:a="http://schemas.openxmlformats.org/drawingml/2006/main" xmlns:r="http://schemas.openxmlformats.org/officeDocument/2006/relationships" xmlns:p="http://schemas.openxmlformats.org/presentationml/2006/main">
+  <p:cSld>
+    <p:bg>
+      <p:bgPr>
+        <a:solidFill>
+          <a:schemeClr val="bg1"/>
+        </a:solidFill>
+        <a:effectLst/>
+      </p:bgPr>
+    </p:bg>
+    <p:spTree>
+      <p:nvGrpSpPr>
+        <p:cNvPr id="1" name=""/>
+        <p:cNvGrpSpPr/>
+        <p:nvPr/>
+      </p:nvGrpSpPr>
+      <p:grpSpPr>
+        <a:xfrm>
+          <a:off x="0" y="0"/>
+          <a:ext cx="0" cy="0"/>
+          <a:chOff x="0" y="0"/>
+          <a:chExt cx="0" cy="0"/>
+        </a:xfrm>
+      </p:grpSpPr>
+      <p:sp useBgFill="1">
+        <p:nvSpPr>
+          <p:cNvPr id="67" name="Rectangle 58">
+            <a:extLst>
+              <a:ext uri="{FF2B5EF4-FFF2-40B4-BE49-F238E27FC236}">
+                <a16:creationId xmlns:a16="http://schemas.microsoft.com/office/drawing/2014/main" id="{3B47FC9C-2ED3-4100-A4EF-E8CDFEE106C9}"/>
+              </a:ext>
+              <a:ext uri="{C183D7F6-B498-43B3-948B-1728B52AA6E4}">
+                <adec:decorative xmlns:adec="http://schemas.microsoft.com/office/drawing/2017/decorative" val="1"/>
+              </a:ext>
+            </a:extLst>
+          </p:cNvPr>
+          <p:cNvSpPr>
+            <a:spLocks noGrp="1" noRot="1" noChangeAspect="1" noMove="1" noResize="1" noEditPoints="1" noAdjustHandles="1" noChangeArrowheads="1" noChangeShapeType="1" noTextEdit="1"/>
+          </p:cNvSpPr>
+          <p:nvPr>
+            <p:extLst>
+              <p:ext uri="{386F3935-93C4-4BCD-93E2-E3B085C9AB24}">
+                <p16:designElem xmlns:p16="http://schemas.microsoft.com/office/powerpoint/2015/main" val="1"/>
+              </p:ext>
+            </p:extLst>
+          </p:nvPr>
+        </p:nvSpPr>
+        <p:spPr>
+          <a:xfrm>
+            <a:off x="-1" y="0"/>
+            <a:ext cx="12188952" cy="6858000"/>
+          </a:xfrm>
+          <a:prstGeom prst="rect">
+            <a:avLst/>
+          </a:prstGeom>
+          <a:ln>
+            <a:noFill/>
+          </a:ln>
+        </p:spPr>
+        <p:style>
+          <a:lnRef idx="2">
+            <a:schemeClr val="accent1">
+              <a:shade val="50000"/>
+            </a:schemeClr>
+          </a:lnRef>
+          <a:fillRef idx="1">
+            <a:schemeClr val="accent1"/>
+          </a:fillRef>
+          <a:effectRef idx="0">
+            <a:schemeClr val="accent1"/>
+          </a:effectRef>
+          <a:fontRef idx="minor">
+            <a:schemeClr val="lt1"/>
+          </a:fontRef>
+        </p:style>
+        <p:txBody>
+          <a:bodyPr rtlCol="0" anchor="ctr"/>
+          <a:lstStyle/>
+          <a:p>
+            <a:pPr algn="ctr"/>
+            <a:endParaRPr lang="en-US" dirty="0"/>
+          </a:p>
+        </p:txBody>
+      </p:sp>
+      <p:pic>
+        <p:nvPicPr>
+          <p:cNvPr id="12" name="Content Placeholder 11" descr="Chart, scatter chart&#10;&#10;Description automatically generated">
+            <a:extLst>
+              <a:ext uri="{FF2B5EF4-FFF2-40B4-BE49-F238E27FC236}">
+                <a16:creationId xmlns:a16="http://schemas.microsoft.com/office/drawing/2014/main" id="{34F8D97F-2D38-4BD7-9311-5001CB78B5AD}"/>
+              </a:ext>
+            </a:extLst>
+          </p:cNvPr>
+          <p:cNvPicPr>
+            <a:picLocks noChangeAspect="1"/>
+          </p:cNvPicPr>
+          <p:nvPr/>
+        </p:nvPicPr>
+        <p:blipFill>
+          <a:blip r:embed="rId2">
+            <a:extLst>
+              <a:ext uri="{28A0092B-C50C-407E-A947-70E740481C1C}">
+                <a14:useLocalDpi xmlns:a14="http://schemas.microsoft.com/office/drawing/2010/main" val="0"/>
+              </a:ext>
+            </a:extLst>
+          </a:blip>
+          <a:stretch>
+            <a:fillRect/>
+          </a:stretch>
+        </p:blipFill>
+        <p:spPr>
+          <a:xfrm>
+            <a:off x="777875" y="555625"/>
+            <a:ext cx="6202788" cy="4026664"/>
+          </a:xfrm>
+          <a:prstGeom prst="rect">
+            <a:avLst/>
+          </a:prstGeom>
+        </p:spPr>
+      </p:pic>
+      <p:pic>
+        <p:nvPicPr>
+          <p:cNvPr id="10" name="Content Placeholder 9" descr="Chart, scatter chart&#10;&#10;Description automatically generated">
+            <a:extLst>
+              <a:ext uri="{FF2B5EF4-FFF2-40B4-BE49-F238E27FC236}">
+                <a16:creationId xmlns:a16="http://schemas.microsoft.com/office/drawing/2014/main" id="{F5A6A8FC-61E7-4224-B605-394438E2974B}"/>
+              </a:ext>
+            </a:extLst>
+          </p:cNvPr>
+          <p:cNvPicPr>
+            <a:picLocks noGrp="1" noChangeAspect="1"/>
+          </p:cNvPicPr>
+          <p:nvPr>
+            <p:ph sz="half" idx="1"/>
+          </p:nvPr>
+        </p:nvPicPr>
+        <p:blipFill>
+          <a:blip r:embed="rId3">
+            <a:extLst>
+              <a:ext uri="{28A0092B-C50C-407E-A947-70E740481C1C}">
+                <a14:useLocalDpi xmlns:a14="http://schemas.microsoft.com/office/drawing/2010/main" val="0"/>
+              </a:ext>
+            </a:extLst>
+          </a:blip>
+          <a:stretch>
+            <a:fillRect/>
+          </a:stretch>
+        </p:blipFill>
+        <p:spPr>
+          <a:xfrm>
+            <a:off x="4865651" y="459754"/>
+            <a:ext cx="6202787" cy="3962659"/>
+          </a:xfrm>
+          <a:prstGeom prst="rect">
+            <a:avLst/>
+          </a:prstGeom>
+        </p:spPr>
+      </p:pic>
+      <p:pic>
+        <p:nvPicPr>
+          <p:cNvPr id="14" name="Content Placeholder 13" descr="A close-up of a bee on a flower">
+            <a:extLst>
+              <a:ext uri="{FF2B5EF4-FFF2-40B4-BE49-F238E27FC236}">
+                <a16:creationId xmlns:a16="http://schemas.microsoft.com/office/drawing/2014/main" id="{16AD7929-74BF-4C9E-9CF9-2AD47A747745}"/>
+              </a:ext>
+            </a:extLst>
+          </p:cNvPr>
+          <p:cNvPicPr>
+            <a:picLocks noGrp="1" noChangeAspect="1"/>
+          </p:cNvPicPr>
+          <p:nvPr>
+            <p:ph sz="half" idx="2"/>
+          </p:nvPr>
+        </p:nvPicPr>
+        <p:blipFill>
+          <a:blip r:embed="rId4" cstate="print">
+            <a:extLst>
+              <a:ext uri="{28A0092B-C50C-407E-A947-70E740481C1C}">
+                <a14:useLocalDpi xmlns:a14="http://schemas.microsoft.com/office/drawing/2010/main" val="0"/>
+              </a:ext>
+            </a:extLst>
+          </a:blip>
+          <a:stretch>
+            <a:fillRect/>
+          </a:stretch>
+        </p:blipFill>
+        <p:spPr>
+          <a:xfrm>
+            <a:off x="1454487" y="4582289"/>
+            <a:ext cx="3411164" cy="2247899"/>
+          </a:xfrm>
+        </p:spPr>
+      </p:pic>
+      <p:sp>
+        <p:nvSpPr>
+          <p:cNvPr id="2" name="Title 1">
+            <a:extLst>
+              <a:ext uri="{FF2B5EF4-FFF2-40B4-BE49-F238E27FC236}">
+                <a16:creationId xmlns:a16="http://schemas.microsoft.com/office/drawing/2014/main" id="{46FE877C-BA62-4CEC-A1AB-5157961F80D6}"/>
+              </a:ext>
+            </a:extLst>
+          </p:cNvPr>
+          <p:cNvSpPr>
+            <a:spLocks noGrp="1"/>
+          </p:cNvSpPr>
+          <p:nvPr>
+            <p:ph type="title"/>
+          </p:nvPr>
+        </p:nvSpPr>
+        <p:spPr>
+          <a:xfrm rot="10800000" flipV="1">
+            <a:off x="7464735" y="5184774"/>
+            <a:ext cx="3949390" cy="468893"/>
+          </a:xfrm>
+        </p:spPr>
+        <p:txBody>
+          <a:bodyPr vert="horz" lIns="91440" tIns="45720" rIns="91440" bIns="45720" rtlCol="0" anchor="ctr">
+            <a:normAutofit fontScale="90000"/>
+          </a:bodyPr>
+          <a:lstStyle/>
+          <a:p>
+            <a:pPr algn="ctr"/>
+            <a:r>
+              <a:rPr lang="en-US" sz="5200" kern="1200" dirty="0">
+                <a:solidFill>
+                  <a:schemeClr val="tx1"/>
+                </a:solidFill>
+                <a:latin typeface="+mj-lt"/>
+                <a:ea typeface="+mj-ea"/>
+                <a:cs typeface="+mj-cs"/>
+              </a:rPr>
+              <a:t>Bee Colony Adverse Effects by State</a:t>
+            </a:r>
+          </a:p>
+        </p:txBody>
+      </p:sp>
+    </p:spTree>
+    <p:extLst>
+      <p:ext uri="{BB962C8B-B14F-4D97-AF65-F5344CB8AC3E}">
+        <p14:creationId xmlns:p14="http://schemas.microsoft.com/office/powerpoint/2010/main" val="3372768588"/>
+      </p:ext>
+    </p:extLst>
+  </p:cSld>
+  <p:clrMapOvr>
+    <a:masterClrMapping/>
+  </p:clrMapOvr>
+</p:sld>
+</file>
+
+<file path=ppt/slides/slide8.xml><?xml version="1.0" encoding="utf-8"?>
 <p:sld xmlns:a="http://schemas.openxmlformats.org/drawingml/2006/main" xmlns:r="http://schemas.openxmlformats.org/officeDocument/2006/relationships" xmlns:p="http://schemas.openxmlformats.org/presentationml/2006/main">
   <p:cSld>
     <p:spTree>
@@ -3163,10 +5223,10 @@
       </p:grpSpPr>
       <p:sp>
         <p:nvSpPr>
-          <p:cNvPr id="2" name="Title 1">
+          <p:cNvPr id="7" name="Title 6">
             <a:extLst>
               <a:ext uri="{FF2B5EF4-FFF2-40B4-BE49-F238E27FC236}">
-                <a16:creationId xmlns:a16="http://schemas.microsoft.com/office/drawing/2014/main" id="{1469D4E6-0DC6-48C1-B683-9FA92299B921}"/>
+                <a16:creationId xmlns:a16="http://schemas.microsoft.com/office/drawing/2014/main" id="{CD33ADC0-22F5-405F-9943-4925AA186311}"/>
               </a:ext>
             </a:extLst>
           </p:cNvPr>
@@ -3179,27 +5239,22 @@
         </p:nvSpPr>
         <p:spPr/>
         <p:txBody>
-          <a:bodyPr>
-            <a:normAutofit/>
-          </a:bodyPr>
-          <a:lstStyle/>
-          <a:p>
-            <a:pPr algn="ctr"/>
-            <a:r>
-              <a:rPr lang="en-US" sz="2800" dirty="0">
-                <a:cs typeface="Calibri Light"/>
-              </a:rPr>
-              <a:t>Loss of Bee Colonies with CCD and Pesticides by State</a:t>
+          <a:bodyPr/>
+          <a:lstStyle/>
+          <a:p>
+            <a:r>
+              <a:rPr lang="en-US" dirty="0"/>
+              <a:t>Bee Colonies Adverse Effects by State</a:t>
             </a:r>
           </a:p>
         </p:txBody>
       </p:sp>
       <p:pic>
         <p:nvPicPr>
-          <p:cNvPr id="12" name="Picture 12" descr="Chart, scatter chart&#10;&#10;Description automatically generated">
+          <p:cNvPr id="11" name="Content Placeholder 10" descr="Chart, bar chart&#10;&#10;Description automatically generated">
             <a:extLst>
               <a:ext uri="{FF2B5EF4-FFF2-40B4-BE49-F238E27FC236}">
-                <a16:creationId xmlns:a16="http://schemas.microsoft.com/office/drawing/2014/main" id="{EB8B2F56-21E1-4781-9A1E-E60CC3CEE18C}"/>
+                <a16:creationId xmlns:a16="http://schemas.microsoft.com/office/drawing/2014/main" id="{BE1C8D45-DE46-41E1-AD4C-58BDE5E95CCF}"/>
               </a:ext>
             </a:extLst>
           </p:cNvPr>
@@ -3211,24 +5266,30 @@
           </p:nvPr>
         </p:nvPicPr>
         <p:blipFill>
-          <a:blip r:embed="rId2"/>
+          <a:blip r:embed="rId2" cstate="print">
+            <a:extLst>
+              <a:ext uri="{28A0092B-C50C-407E-A947-70E740481C1C}">
+                <a14:useLocalDpi xmlns:a14="http://schemas.microsoft.com/office/drawing/2010/main" val="0"/>
+              </a:ext>
+            </a:extLst>
+          </a:blip>
           <a:stretch>
             <a:fillRect/>
           </a:stretch>
         </p:blipFill>
         <p:spPr>
           <a:xfrm>
-            <a:off x="776288" y="2129632"/>
-            <a:ext cx="5055393" cy="4255292"/>
+            <a:off x="1048541" y="1825625"/>
+            <a:ext cx="5575283" cy="4351338"/>
           </a:xfrm>
         </p:spPr>
       </p:pic>
       <p:pic>
         <p:nvPicPr>
-          <p:cNvPr id="15" name="Picture 15" descr="Chart, scatter chart&#10;&#10;Description automatically generated">
+          <p:cNvPr id="13" name="Content Placeholder 12" descr="Chart, bar chart&#10;&#10;Description automatically generated">
             <a:extLst>
               <a:ext uri="{FF2B5EF4-FFF2-40B4-BE49-F238E27FC236}">
-                <a16:creationId xmlns:a16="http://schemas.microsoft.com/office/drawing/2014/main" id="{F8E1767F-BA12-4F64-A958-E430834859D0}"/>
+                <a16:creationId xmlns:a16="http://schemas.microsoft.com/office/drawing/2014/main" id="{9DA04846-7815-4986-9DCE-A2C19D5C72B6}"/>
               </a:ext>
             </a:extLst>
           </p:cNvPr>
@@ -3240,22 +5301,115 @@
           </p:nvPr>
         </p:nvPicPr>
         <p:blipFill>
-          <a:blip r:embed="rId3"/>
+          <a:blip r:embed="rId3" cstate="print">
+            <a:extLst>
+              <a:ext uri="{28A0092B-C50C-407E-A947-70E740481C1C}">
+                <a14:useLocalDpi xmlns:a14="http://schemas.microsoft.com/office/drawing/2010/main" val="0"/>
+              </a:ext>
+            </a:extLst>
+          </a:blip>
           <a:stretch>
             <a:fillRect/>
           </a:stretch>
         </p:blipFill>
         <p:spPr>
           <a:xfrm>
-            <a:off x="5836444" y="2129633"/>
-            <a:ext cx="5519737" cy="4314822"/>
+            <a:off x="5675971" y="1825625"/>
+            <a:ext cx="5451431" cy="4351338"/>
           </a:xfrm>
         </p:spPr>
       </p:pic>
+      <p:pic>
+        <p:nvPicPr>
+          <p:cNvPr id="18" name="Picture 17" descr="A close up of a bee&#10;&#10;Description automatically generated with medium confidence">
+            <a:extLst>
+              <a:ext uri="{FF2B5EF4-FFF2-40B4-BE49-F238E27FC236}">
+                <a16:creationId xmlns:a16="http://schemas.microsoft.com/office/drawing/2014/main" id="{ACB893C4-CE0B-4AAB-856D-BE0660BCC643}"/>
+              </a:ext>
+            </a:extLst>
+          </p:cNvPr>
+          <p:cNvPicPr>
+            <a:picLocks noChangeAspect="1"/>
+          </p:cNvPicPr>
+          <p:nvPr/>
+        </p:nvPicPr>
+        <p:blipFill>
+          <a:blip r:embed="rId4" cstate="print">
+            <a:extLst>
+              <a:ext uri="{28A0092B-C50C-407E-A947-70E740481C1C}">
+                <a14:useLocalDpi xmlns:a14="http://schemas.microsoft.com/office/drawing/2010/main" val="0"/>
+              </a:ext>
+              <a:ext uri="{837473B0-CC2E-450A-ABE3-18F120FF3D39}">
+                <a1611:picAttrSrcUrl xmlns:a1611="http://schemas.microsoft.com/office/drawing/2016/11/main" r:id="rId5"/>
+              </a:ext>
+            </a:extLst>
+          </a:blip>
+          <a:stretch>
+            <a:fillRect/>
+          </a:stretch>
+        </p:blipFill>
+        <p:spPr>
+          <a:xfrm>
+            <a:off x="9797963" y="125936"/>
+            <a:ext cx="2226768" cy="1564752"/>
+          </a:xfrm>
+          <a:prstGeom prst="rect">
+            <a:avLst/>
+          </a:prstGeom>
+        </p:spPr>
+      </p:pic>
+      <p:sp>
+        <p:nvSpPr>
+          <p:cNvPr id="19" name="TextBox 18">
+            <a:extLst>
+              <a:ext uri="{FF2B5EF4-FFF2-40B4-BE49-F238E27FC236}">
+                <a16:creationId xmlns:a16="http://schemas.microsoft.com/office/drawing/2014/main" id="{514E099F-1707-4A07-8C6F-B9B856A4A6F9}"/>
+              </a:ext>
+            </a:extLst>
+          </p:cNvPr>
+          <p:cNvSpPr txBox="1"/>
+          <p:nvPr/>
+        </p:nvSpPr>
+        <p:spPr>
+          <a:xfrm>
+            <a:off x="10303727" y="6887872"/>
+            <a:ext cx="1888273" cy="369332"/>
+          </a:xfrm>
+          <a:prstGeom prst="rect">
+            <a:avLst/>
+          </a:prstGeom>
+          <a:noFill/>
+        </p:spPr>
+        <p:txBody>
+          <a:bodyPr wrap="square" rtlCol="0">
+            <a:spAutoFit/>
+          </a:bodyPr>
+          <a:lstStyle/>
+          <a:p>
+            <a:r>
+              <a:rPr lang="en-US" sz="900">
+                <a:hlinkClick r:id="rId5" tooltip="https://fr.wiktionary.org/wiki/halicte"/>
+              </a:rPr>
+              <a:t>This Photo</a:t>
+            </a:r>
+            <a:r>
+              <a:rPr lang="en-US" sz="900"/>
+              <a:t> by Unknown Author is licensed under </a:t>
+            </a:r>
+            <a:r>
+              <a:rPr lang="en-US" sz="900">
+                <a:hlinkClick r:id="rId6" tooltip="https://creativecommons.org/licenses/by-sa/3.0/"/>
+              </a:rPr>
+              <a:t>CC BY-SA</a:t>
+            </a:r>
+            <a:endParaRPr lang="en-US" sz="900"/>
+          </a:p>
+        </p:txBody>
+      </p:sp>
     </p:spTree>
     <p:extLst>
       <p:ext uri="{BB962C8B-B14F-4D97-AF65-F5344CB8AC3E}">
-        <p14:creationId xmlns:p14="http://schemas.microsoft.com/office/powerpoint/2010/main" val="3033819484"/>
+        <p14:creationId xmlns:p14="http://schemas.microsoft.com/office/powerpoint/2010/main" val="3822733802"/>
       </p:ext>
     </p:extLst>
   </p:cSld>
@@ -3265,7 +5419,7 @@
 </p:sld>
 </file>
 
-<file path=ppt/slides/slide4.xml><?xml version="1.0" encoding="utf-8"?>
+<file path=ppt/slides/slide9.xml><?xml version="1.0" encoding="utf-8"?>
 <p:sld xmlns:a="http://schemas.openxmlformats.org/drawingml/2006/main" xmlns:r="http://schemas.openxmlformats.org/officeDocument/2006/relationships" xmlns:p="http://schemas.openxmlformats.org/presentationml/2006/main">
   <p:cSld>
     <p:spTree>
@@ -3284,10 +5438,10 @@
       </p:grpSpPr>
       <p:sp>
         <p:nvSpPr>
-          <p:cNvPr id="2" name="Title 1">
+          <p:cNvPr id="5" name="Title 4">
             <a:extLst>
               <a:ext uri="{FF2B5EF4-FFF2-40B4-BE49-F238E27FC236}">
-                <a16:creationId xmlns:a16="http://schemas.microsoft.com/office/drawing/2014/main" id="{57F849B1-6EC7-453F-983A-85D355D7EBB9}"/>
+                <a16:creationId xmlns:a16="http://schemas.microsoft.com/office/drawing/2014/main" id="{AFBF8DCB-A3E7-421B-AEC1-19B8CA89FB5C}"/>
               </a:ext>
             </a:extLst>
           </p:cNvPr>
@@ -3298,88 +5452,111 @@
             <p:ph type="title"/>
           </p:nvPr>
         </p:nvSpPr>
-        <p:spPr/>
-        <p:txBody>
-          <a:bodyPr/>
+        <p:spPr>
+          <a:xfrm>
+            <a:off x="44816" y="4039283"/>
+            <a:ext cx="3129951" cy="1325563"/>
+          </a:xfrm>
+        </p:spPr>
+        <p:txBody>
+          <a:bodyPr>
+            <a:normAutofit fontScale="90000"/>
+          </a:bodyPr>
           <a:lstStyle/>
           <a:p>
             <a:pPr algn="ctr"/>
             <a:r>
-              <a:rPr lang="en-US" dirty="0">
-                <a:cs typeface="Calibri Light"/>
-              </a:rPr>
-              <a:t>Hypothesis</a:t>
-            </a:r>
-          </a:p>
-        </p:txBody>
-      </p:sp>
-      <p:sp>
-        <p:nvSpPr>
-          <p:cNvPr id="3" name="Content Placeholder 2">
+              <a:rPr lang="en-US" dirty="0"/>
+              <a:t>Comparison of Adverse Effects</a:t>
+            </a:r>
+            <a:br>
+              <a:rPr lang="en-US" dirty="0"/>
+            </a:br>
+            <a:r>
+              <a:rPr lang="en-US" dirty="0"/>
+              <a:t>on a National Level</a:t>
+            </a:r>
+          </a:p>
+        </p:txBody>
+      </p:sp>
+      <p:pic>
+        <p:nvPicPr>
+          <p:cNvPr id="8" name="Content Placeholder 7" descr="Chart, bar chart&#10;&#10;Description automatically generated">
             <a:extLst>
               <a:ext uri="{FF2B5EF4-FFF2-40B4-BE49-F238E27FC236}">
-                <a16:creationId xmlns:a16="http://schemas.microsoft.com/office/drawing/2014/main" id="{1BD6928E-84DF-495B-9DB1-F48BBC9E2235}"/>
+                <a16:creationId xmlns:a16="http://schemas.microsoft.com/office/drawing/2014/main" id="{A238100F-1394-49B7-A9EB-510D89810499}"/>
               </a:ext>
             </a:extLst>
           </p:cNvPr>
-          <p:cNvSpPr>
-            <a:spLocks noGrp="1"/>
-          </p:cNvSpPr>
+          <p:cNvPicPr>
+            <a:picLocks noGrp="1" noChangeAspect="1"/>
+          </p:cNvPicPr>
           <p:nvPr>
             <p:ph idx="1"/>
           </p:nvPr>
-        </p:nvSpPr>
-        <p:spPr/>
-        <p:txBody>
-          <a:bodyPr vert="horz" lIns="91440" tIns="45720" rIns="91440" bIns="45720" rtlCol="0" anchor="t">
-            <a:normAutofit fontScale="92500" lnSpcReduction="10000"/>
-          </a:bodyPr>
-          <a:lstStyle/>
-          <a:p>
-            <a:r>
-              <a:rPr lang="en-US" dirty="0">
-                <a:cs typeface="Calibri"/>
-              </a:rPr>
-              <a:t>Based on our findings with the histogram graph the percentages of colonies affected by pesticides are higher than those lost by colony collapse disorder.</a:t>
-            </a:r>
-          </a:p>
-          <a:p>
-            <a:r>
-              <a:rPr lang="en-US" dirty="0">
-                <a:cs typeface="Calibri"/>
-              </a:rPr>
-              <a:t>There appear to be many factors that contribute to the loss of colonies to collapse, including pesticides, parasites, weather conditions, etc.  Also, not all colonies affected by pesticides do go on to collapse.</a:t>
-            </a:r>
-          </a:p>
-          <a:p>
-            <a:r>
-              <a:rPr lang="en-US" dirty="0">
-                <a:cs typeface="Calibri"/>
-              </a:rPr>
-              <a:t>For example, in the survey results for Jan-March in Arizona there was no colonies affected by pesticides, but there were 13.44% of total colonies lost to colony collapse.</a:t>
-            </a:r>
-          </a:p>
-          <a:p>
-            <a:r>
-              <a:rPr lang="en-US" dirty="0">
-                <a:cs typeface="Calibri"/>
-              </a:rPr>
-              <a:t>The correlation coefficient calculated on the state level showed a </a:t>
-            </a:r>
-            <a:r>
-              <a:rPr lang="en-US" dirty="0">
-                <a:latin typeface="Calibri" panose="020F0502020204030204"/>
-                <a:cs typeface="Calibri"/>
-              </a:rPr>
-              <a:t>-0.08112837 correlation indicating not much correlation at that level.</a:t>
-            </a:r>
-          </a:p>
-        </p:txBody>
-      </p:sp>
+        </p:nvPicPr>
+        <p:blipFill>
+          <a:blip r:embed="rId2">
+            <a:extLst>
+              <a:ext uri="{28A0092B-C50C-407E-A947-70E740481C1C}">
+                <a14:useLocalDpi xmlns:a14="http://schemas.microsoft.com/office/drawing/2010/main" val="0"/>
+              </a:ext>
+            </a:extLst>
+          </a:blip>
+          <a:stretch>
+            <a:fillRect/>
+          </a:stretch>
+        </p:blipFill>
+        <p:spPr>
+          <a:xfrm>
+            <a:off x="4240311" y="69011"/>
+            <a:ext cx="7687692" cy="6788989"/>
+          </a:xfrm>
+        </p:spPr>
+      </p:pic>
+      <p:pic>
+        <p:nvPicPr>
+          <p:cNvPr id="12" name="Picture 11" descr="A picture containing invertebrate, arthropod, acarine&#10;&#10;Description automatically generated">
+            <a:extLst>
+              <a:ext uri="{FF2B5EF4-FFF2-40B4-BE49-F238E27FC236}">
+                <a16:creationId xmlns:a16="http://schemas.microsoft.com/office/drawing/2014/main" id="{0E559B4F-846A-429E-AC9A-32135EE555D7}"/>
+              </a:ext>
+            </a:extLst>
+          </p:cNvPr>
+          <p:cNvPicPr>
+            <a:picLocks noChangeAspect="1"/>
+          </p:cNvPicPr>
+          <p:nvPr/>
+        </p:nvPicPr>
+        <p:blipFill>
+          <a:blip r:embed="rId3">
+            <a:extLst>
+              <a:ext uri="{28A0092B-C50C-407E-A947-70E740481C1C}">
+                <a14:useLocalDpi xmlns:a14="http://schemas.microsoft.com/office/drawing/2010/main" val="0"/>
+              </a:ext>
+              <a:ext uri="{837473B0-CC2E-450A-ABE3-18F120FF3D39}">
+                <a1611:picAttrSrcUrl xmlns:a1611="http://schemas.microsoft.com/office/drawing/2016/11/main" r:id="rId4"/>
+              </a:ext>
+            </a:extLst>
+          </a:blip>
+          <a:stretch>
+            <a:fillRect/>
+          </a:stretch>
+        </p:blipFill>
+        <p:spPr>
+          <a:xfrm>
+            <a:off x="44816" y="0"/>
+            <a:ext cx="3129951" cy="2818718"/>
+          </a:xfrm>
+          <a:prstGeom prst="rect">
+            <a:avLst/>
+          </a:prstGeom>
+        </p:spPr>
+      </p:pic>
     </p:spTree>
     <p:extLst>
       <p:ext uri="{BB962C8B-B14F-4D97-AF65-F5344CB8AC3E}">
-        <p14:creationId xmlns:p14="http://schemas.microsoft.com/office/powerpoint/2010/main" val="3428268511"/>
+        <p14:creationId xmlns:p14="http://schemas.microsoft.com/office/powerpoint/2010/main" val="1751164873"/>
       </p:ext>
     </p:extLst>
   </p:cSld>
